--- a/基础PPT/第9章：Java反射简介.pptx
+++ b/基础PPT/第9章：Java反射简介.pptx
@@ -5,7 +5,7 @@
     <p:sldMasterId id="2147483648" r:id="rId1"/>
   </p:sldMasterIdLst>
   <p:notesMasterIdLst>
-    <p:notesMasterId r:id="rId21"/>
+    <p:notesMasterId r:id="rId18"/>
   </p:notesMasterIdLst>
   <p:sldIdLst>
     <p:sldId id="660" r:id="rId3"/>
@@ -13,19 +13,16 @@
     <p:sldId id="682" r:id="rId5"/>
     <p:sldId id="683" r:id="rId6"/>
     <p:sldId id="684" r:id="rId7"/>
-    <p:sldId id="686" r:id="rId8"/>
-    <p:sldId id="685" r:id="rId9"/>
-    <p:sldId id="687" r:id="rId10"/>
-    <p:sldId id="688" r:id="rId11"/>
-    <p:sldId id="690" r:id="rId12"/>
-    <p:sldId id="691" r:id="rId13"/>
-    <p:sldId id="692" r:id="rId14"/>
-    <p:sldId id="693" r:id="rId15"/>
-    <p:sldId id="694" r:id="rId16"/>
-    <p:sldId id="695" r:id="rId17"/>
-    <p:sldId id="696" r:id="rId18"/>
-    <p:sldId id="697" r:id="rId19"/>
-    <p:sldId id="662" r:id="rId20"/>
+    <p:sldId id="699" r:id="rId8"/>
+    <p:sldId id="686" r:id="rId9"/>
+    <p:sldId id="685" r:id="rId10"/>
+    <p:sldId id="687" r:id="rId11"/>
+    <p:sldId id="688" r:id="rId12"/>
+    <p:sldId id="690" r:id="rId13"/>
+    <p:sldId id="691" r:id="rId14"/>
+    <p:sldId id="692" r:id="rId15"/>
+    <p:sldId id="697" r:id="rId16"/>
+    <p:sldId id="662" r:id="rId17"/>
   </p:sldIdLst>
   <p:sldSz cx="12192000" cy="6858000"/>
   <p:notesSz cx="6858000" cy="9144000"/>
@@ -6378,6 +6375,241 @@
         <p:nvPr/>
       </p:nvGrpSpPr>
       <p:grpSpPr/>
+      <p:sp>
+        <p:nvSpPr>
+          <p:cNvPr id="2" name="文本框 1"/>
+          <p:cNvSpPr txBox="1"/>
+          <p:nvPr/>
+        </p:nvSpPr>
+        <p:spPr>
+          <a:xfrm>
+            <a:off x="217170" y="1224915"/>
+            <a:ext cx="11703050" cy="3291840"/>
+          </a:xfrm>
+          <a:prstGeom prst="rect">
+            <a:avLst/>
+          </a:prstGeom>
+          <a:noFill/>
+        </p:spPr>
+        <p:txBody>
+          <a:bodyPr wrap="square" rtlCol="0">
+            <a:spAutoFit/>
+          </a:bodyPr>
+          <a:p>
+            <a:r>
+              <a:rPr lang="zh-CN" altLang="en-US" sz="1600">
+                <a:latin typeface="宋体" panose="02010600030101010101" pitchFamily="2" charset="-122"/>
+                <a:ea typeface="宋体" panose="02010600030101010101" pitchFamily="2" charset="-122"/>
+                <a:cs typeface="宋体" panose="02010600030101010101" pitchFamily="2" charset="-122"/>
+              </a:rPr>
+              <a:t>JAVA反射机制是在运行状态中，对于任意一个类，都能够知道这个类的所有属性和方法；对于任意一个对象，都能够调用它的任意一个方法和属性；这种动态获取的信息以及动态调用对象的方法的功能称为java语言的反射机制。</a:t>
+            </a:r>
+            <a:endParaRPr lang="zh-CN" altLang="en-US" sz="1600">
+              <a:latin typeface="宋体" panose="02010600030101010101" pitchFamily="2" charset="-122"/>
+              <a:ea typeface="宋体" panose="02010600030101010101" pitchFamily="2" charset="-122"/>
+              <a:cs typeface="宋体" panose="02010600030101010101" pitchFamily="2" charset="-122"/>
+            </a:endParaRPr>
+          </a:p>
+          <a:p>
+            <a:endParaRPr lang="zh-CN" altLang="en-US" sz="1600">
+              <a:latin typeface="宋体" panose="02010600030101010101" pitchFamily="2" charset="-122"/>
+              <a:ea typeface="宋体" panose="02010600030101010101" pitchFamily="2" charset="-122"/>
+              <a:cs typeface="宋体" panose="02010600030101010101" pitchFamily="2" charset="-122"/>
+            </a:endParaRPr>
+          </a:p>
+          <a:p>
+            <a:r>
+              <a:rPr lang="zh-CN" altLang="en-US" sz="1600">
+                <a:latin typeface="宋体" panose="02010600030101010101" pitchFamily="2" charset="-122"/>
+                <a:ea typeface="宋体" panose="02010600030101010101" pitchFamily="2" charset="-122"/>
+                <a:cs typeface="宋体" panose="02010600030101010101" pitchFamily="2" charset="-122"/>
+              </a:rPr>
+              <a:t>要想解剖一个类,必须先要获取到该类的字节码文件对象。而解剖使用的就是Class类中的方法.所以先要获取到每一个字节码文件对应的Class类型的对象.</a:t>
+            </a:r>
+            <a:endParaRPr lang="zh-CN" altLang="en-US" sz="1600">
+              <a:latin typeface="宋体" panose="02010600030101010101" pitchFamily="2" charset="-122"/>
+              <a:ea typeface="宋体" panose="02010600030101010101" pitchFamily="2" charset="-122"/>
+              <a:cs typeface="宋体" panose="02010600030101010101" pitchFamily="2" charset="-122"/>
+            </a:endParaRPr>
+          </a:p>
+          <a:p>
+            <a:endParaRPr lang="zh-CN" altLang="en-US" sz="1600">
+              <a:latin typeface="宋体" panose="02010600030101010101" pitchFamily="2" charset="-122"/>
+              <a:ea typeface="宋体" panose="02010600030101010101" pitchFamily="2" charset="-122"/>
+              <a:cs typeface="宋体" panose="02010600030101010101" pitchFamily="2" charset="-122"/>
+            </a:endParaRPr>
+          </a:p>
+          <a:p>
+            <a:r>
+              <a:rPr lang="zh-CN" altLang="en-US" sz="1600">
+                <a:latin typeface="宋体" panose="02010600030101010101" pitchFamily="2" charset="-122"/>
+                <a:ea typeface="宋体" panose="02010600030101010101" pitchFamily="2" charset="-122"/>
+                <a:cs typeface="宋体" panose="02010600030101010101" pitchFamily="2" charset="-122"/>
+              </a:rPr>
+              <a:t>与Java反射相关的类如下：</a:t>
+            </a:r>
+            <a:endParaRPr lang="zh-CN" altLang="en-US" sz="1600">
+              <a:latin typeface="宋体" panose="02010600030101010101" pitchFamily="2" charset="-122"/>
+              <a:ea typeface="宋体" panose="02010600030101010101" pitchFamily="2" charset="-122"/>
+              <a:cs typeface="宋体" panose="02010600030101010101" pitchFamily="2" charset="-122"/>
+            </a:endParaRPr>
+          </a:p>
+          <a:p>
+            <a:endParaRPr lang="zh-CN" altLang="en-US" sz="1600">
+              <a:latin typeface="宋体" panose="02010600030101010101" pitchFamily="2" charset="-122"/>
+              <a:ea typeface="宋体" panose="02010600030101010101" pitchFamily="2" charset="-122"/>
+              <a:cs typeface="宋体" panose="02010600030101010101" pitchFamily="2" charset="-122"/>
+            </a:endParaRPr>
+          </a:p>
+          <a:p>
+            <a:r>
+              <a:rPr lang="zh-CN" altLang="en-US" sz="1600">
+                <a:latin typeface="宋体" panose="02010600030101010101" pitchFamily="2" charset="-122"/>
+                <a:ea typeface="宋体" panose="02010600030101010101" pitchFamily="2" charset="-122"/>
+                <a:cs typeface="宋体" panose="02010600030101010101" pitchFamily="2" charset="-122"/>
+              </a:rPr>
+              <a:t>类名	用途</a:t>
+            </a:r>
+            <a:endParaRPr lang="zh-CN" altLang="en-US" sz="1600">
+              <a:latin typeface="宋体" panose="02010600030101010101" pitchFamily="2" charset="-122"/>
+              <a:ea typeface="宋体" panose="02010600030101010101" pitchFamily="2" charset="-122"/>
+              <a:cs typeface="宋体" panose="02010600030101010101" pitchFamily="2" charset="-122"/>
+            </a:endParaRPr>
+          </a:p>
+          <a:p>
+            <a:r>
+              <a:rPr lang="zh-CN" altLang="en-US" sz="1600">
+                <a:latin typeface="宋体" panose="02010600030101010101" pitchFamily="2" charset="-122"/>
+                <a:ea typeface="宋体" panose="02010600030101010101" pitchFamily="2" charset="-122"/>
+                <a:cs typeface="宋体" panose="02010600030101010101" pitchFamily="2" charset="-122"/>
+              </a:rPr>
+              <a:t>Class类	代表类的实体，在运行的Java应用程序中表示类和接口</a:t>
+            </a:r>
+            <a:endParaRPr lang="zh-CN" altLang="en-US" sz="1600">
+              <a:latin typeface="宋体" panose="02010600030101010101" pitchFamily="2" charset="-122"/>
+              <a:ea typeface="宋体" panose="02010600030101010101" pitchFamily="2" charset="-122"/>
+              <a:cs typeface="宋体" panose="02010600030101010101" pitchFamily="2" charset="-122"/>
+            </a:endParaRPr>
+          </a:p>
+          <a:p>
+            <a:r>
+              <a:rPr lang="zh-CN" altLang="en-US" sz="1600">
+                <a:latin typeface="宋体" panose="02010600030101010101" pitchFamily="2" charset="-122"/>
+                <a:ea typeface="宋体" panose="02010600030101010101" pitchFamily="2" charset="-122"/>
+                <a:cs typeface="宋体" panose="02010600030101010101" pitchFamily="2" charset="-122"/>
+              </a:rPr>
+              <a:t>Field类	代表类的成员变量（成员变量也称为类的属性）</a:t>
+            </a:r>
+            <a:endParaRPr lang="zh-CN" altLang="en-US" sz="1600">
+              <a:latin typeface="宋体" panose="02010600030101010101" pitchFamily="2" charset="-122"/>
+              <a:ea typeface="宋体" panose="02010600030101010101" pitchFamily="2" charset="-122"/>
+              <a:cs typeface="宋体" panose="02010600030101010101" pitchFamily="2" charset="-122"/>
+            </a:endParaRPr>
+          </a:p>
+          <a:p>
+            <a:r>
+              <a:rPr lang="zh-CN" altLang="en-US" sz="1600">
+                <a:latin typeface="宋体" panose="02010600030101010101" pitchFamily="2" charset="-122"/>
+                <a:ea typeface="宋体" panose="02010600030101010101" pitchFamily="2" charset="-122"/>
+                <a:cs typeface="宋体" panose="02010600030101010101" pitchFamily="2" charset="-122"/>
+              </a:rPr>
+              <a:t>Method类	代表类的方法</a:t>
+            </a:r>
+            <a:endParaRPr lang="zh-CN" altLang="en-US" sz="1600">
+              <a:latin typeface="宋体" panose="02010600030101010101" pitchFamily="2" charset="-122"/>
+              <a:ea typeface="宋体" panose="02010600030101010101" pitchFamily="2" charset="-122"/>
+              <a:cs typeface="宋体" panose="02010600030101010101" pitchFamily="2" charset="-122"/>
+            </a:endParaRPr>
+          </a:p>
+          <a:p>
+            <a:r>
+              <a:rPr lang="zh-CN" altLang="en-US" sz="1600">
+                <a:latin typeface="宋体" panose="02010600030101010101" pitchFamily="2" charset="-122"/>
+                <a:ea typeface="宋体" panose="02010600030101010101" pitchFamily="2" charset="-122"/>
+                <a:cs typeface="宋体" panose="02010600030101010101" pitchFamily="2" charset="-122"/>
+              </a:rPr>
+              <a:t>Constructor类	代表类的构造方法</a:t>
+            </a:r>
+            <a:endParaRPr lang="zh-CN" altLang="en-US" sz="1600">
+              <a:latin typeface="宋体" panose="02010600030101010101" pitchFamily="2" charset="-122"/>
+              <a:ea typeface="宋体" panose="02010600030101010101" pitchFamily="2" charset="-122"/>
+              <a:cs typeface="宋体" panose="02010600030101010101" pitchFamily="2" charset="-122"/>
+            </a:endParaRPr>
+          </a:p>
+        </p:txBody>
+      </p:sp>
+      <p:sp>
+        <p:nvSpPr>
+          <p:cNvPr id="6" name="文本框 5"/>
+          <p:cNvSpPr txBox="1"/>
+          <p:nvPr/>
+        </p:nvSpPr>
+        <p:spPr>
+          <a:xfrm>
+            <a:off x="337820" y="564515"/>
+            <a:ext cx="11582400" cy="583565"/>
+          </a:xfrm>
+          <a:prstGeom prst="rect">
+            <a:avLst/>
+          </a:prstGeom>
+          <a:noFill/>
+        </p:spPr>
+        <p:txBody>
+          <a:bodyPr wrap="square" rtlCol="0">
+            <a:spAutoFit/>
+          </a:bodyPr>
+          <a:p>
+            <a:pPr algn="ctr"/>
+            <a:r>
+              <a:rPr lang="zh-CN" altLang="en-US" sz="3200">
+                <a:latin typeface="+mj-ea"/>
+                <a:ea typeface="+mj-ea"/>
+                <a:cs typeface="+mj-ea"/>
+                <a:sym typeface="+mn-ea"/>
+              </a:rPr>
+              <a:t>反射</a:t>
+            </a:r>
+            <a:endParaRPr lang="zh-CN" altLang="en-US" sz="3200">
+              <a:latin typeface="+mj-ea"/>
+              <a:ea typeface="+mj-ea"/>
+              <a:cs typeface="+mj-ea"/>
+              <a:sym typeface="+mn-ea"/>
+            </a:endParaRPr>
+          </a:p>
+        </p:txBody>
+      </p:sp>
+    </p:spTree>
+    <p:custDataLst>
+      <p:tags r:id="rId2"/>
+    </p:custDataLst>
+  </p:cSld>
+  <p:clrMapOvr>
+    <a:masterClrMapping/>
+  </p:clrMapOvr>
+</p:sld>
+</file>
+
+<file path=ppt/slides/slide11.xml><?xml version="1.0" encoding="utf-8"?>
+<p:sld xmlns:a="http://schemas.openxmlformats.org/drawingml/2006/main" xmlns:r="http://schemas.openxmlformats.org/officeDocument/2006/relationships" xmlns:p="http://schemas.openxmlformats.org/presentationml/2006/main">
+  <p:cSld>
+    <p:bg>
+      <p:bgPr>
+        <a:blipFill rotWithShape="1">
+          <a:blip r:embed="rId1"/>
+          <a:stretch>
+            <a:fillRect/>
+          </a:stretch>
+        </a:blipFill>
+        <a:effectLst/>
+      </p:bgPr>
+    </p:bg>
+    <p:spTree>
+      <p:nvGrpSpPr>
+        <p:cNvPr id="1" name=""/>
+        <p:cNvGrpSpPr/>
+        <p:nvPr/>
+      </p:nvGrpSpPr>
+      <p:grpSpPr/>
       <p:pic>
         <p:nvPicPr>
           <p:cNvPr id="3" name="图片 2"/>
@@ -6437,7 +6669,7 @@
 </p:sld>
 </file>
 
-<file path=ppt/slides/slide11.xml><?xml version="1.0" encoding="utf-8"?>
+<file path=ppt/slides/slide12.xml><?xml version="1.0" encoding="utf-8"?>
 <p:sld xmlns:a="http://schemas.openxmlformats.org/drawingml/2006/main" xmlns:r="http://schemas.openxmlformats.org/officeDocument/2006/relationships" xmlns:p="http://schemas.openxmlformats.org/presentationml/2006/main">
   <p:cSld>
     <p:bg>
@@ -6637,7 +6869,7 @@
         </p:blipFill>
         <p:spPr>
           <a:xfrm>
-            <a:off x="5186045" y="1946910"/>
+            <a:off x="5381625" y="1976755"/>
             <a:ext cx="6629400" cy="3954780"/>
           </a:xfrm>
           <a:prstGeom prst="rect">
@@ -6656,7 +6888,7 @@
 </p:sld>
 </file>
 
-<file path=ppt/slides/slide12.xml><?xml version="1.0" encoding="utf-8"?>
+<file path=ppt/slides/slide13.xml><?xml version="1.0" encoding="utf-8"?>
 <p:sld xmlns:a="http://schemas.openxmlformats.org/drawingml/2006/main" xmlns:r="http://schemas.openxmlformats.org/officeDocument/2006/relationships" xmlns:p="http://schemas.openxmlformats.org/presentationml/2006/main">
   <p:cSld>
     <p:bg>
@@ -6685,8 +6917,8 @@
         </p:nvSpPr>
         <p:spPr>
           <a:xfrm>
-            <a:off x="248285" y="800735"/>
-            <a:ext cx="11721465" cy="2553335"/>
+            <a:off x="234950" y="1328420"/>
+            <a:ext cx="11721465" cy="3784600"/>
           </a:xfrm>
           <a:prstGeom prst="rect">
             <a:avLst/>
@@ -6699,21 +6931,21 @@
           </a:bodyPr>
           <a:p>
             <a:r>
-              <a:rPr lang="zh-CN" altLang="en-US" sz="1600">
+              <a:rPr lang="zh-CN" altLang="en-US" sz="2000">
                 <a:latin typeface="宋体" panose="02010600030101010101" pitchFamily="2" charset="-122"/>
                 <a:ea typeface="宋体" panose="02010600030101010101" pitchFamily="2" charset="-122"/>
                 <a:cs typeface="宋体" panose="02010600030101010101" pitchFamily="2" charset="-122"/>
               </a:rPr>
               <a:t>AOP(Aspect Oriented Programing)，即面向切面编程，它主要用于日志记录、性能统计、安全控制、事务处理、异常处理等方面。它的主要意图就要将日志记录，性能统计，安全控制、事务处理、异常处理等等代码从业务逻辑代码中清楚地划分出来。通过对这些行为的分离，我们希望可以将它们独立地配置到业务逻辑方法中，而要改变这些行为的时候也不需要影响到业务逻辑方法代码。</a:t>
             </a:r>
-            <a:endParaRPr lang="zh-CN" altLang="en-US" sz="1600">
+            <a:endParaRPr lang="zh-CN" altLang="en-US" sz="2000">
               <a:latin typeface="宋体" panose="02010600030101010101" pitchFamily="2" charset="-122"/>
               <a:ea typeface="宋体" panose="02010600030101010101" pitchFamily="2" charset="-122"/>
               <a:cs typeface="宋体" panose="02010600030101010101" pitchFamily="2" charset="-122"/>
             </a:endParaRPr>
           </a:p>
           <a:p>
-            <a:endParaRPr lang="zh-CN" altLang="en-US" sz="1600">
+            <a:endParaRPr lang="zh-CN" altLang="en-US" sz="2000">
               <a:latin typeface="宋体" panose="02010600030101010101" pitchFamily="2" charset="-122"/>
               <a:ea typeface="宋体" panose="02010600030101010101" pitchFamily="2" charset="-122"/>
               <a:cs typeface="宋体" panose="02010600030101010101" pitchFamily="2" charset="-122"/>
@@ -6721,21 +6953,21 @@
           </a:p>
           <a:p>
             <a:r>
-              <a:rPr lang="zh-CN" altLang="en-US" sz="1600">
+              <a:rPr lang="zh-CN" altLang="en-US" sz="2000">
                 <a:latin typeface="宋体" panose="02010600030101010101" pitchFamily="2" charset="-122"/>
                 <a:ea typeface="宋体" panose="02010600030101010101" pitchFamily="2" charset="-122"/>
                 <a:cs typeface="宋体" panose="02010600030101010101" pitchFamily="2" charset="-122"/>
               </a:rPr>
               <a:t>代理模式是常用的Java设计模式。代理类主要负责为委托类预处理消息、过滤信息、把消息转发给委托类，以及事后处理信息等。</a:t>
             </a:r>
-            <a:endParaRPr lang="zh-CN" altLang="en-US" sz="1600">
+            <a:endParaRPr lang="zh-CN" altLang="en-US" sz="2000">
               <a:latin typeface="宋体" panose="02010600030101010101" pitchFamily="2" charset="-122"/>
               <a:ea typeface="宋体" panose="02010600030101010101" pitchFamily="2" charset="-122"/>
               <a:cs typeface="宋体" panose="02010600030101010101" pitchFamily="2" charset="-122"/>
             </a:endParaRPr>
           </a:p>
           <a:p>
-            <a:endParaRPr lang="zh-CN" altLang="en-US" sz="1600">
+            <a:endParaRPr lang="zh-CN" altLang="en-US" sz="2000">
               <a:latin typeface="宋体" panose="02010600030101010101" pitchFamily="2" charset="-122"/>
               <a:ea typeface="宋体" panose="02010600030101010101" pitchFamily="2" charset="-122"/>
               <a:cs typeface="宋体" panose="02010600030101010101" pitchFamily="2" charset="-122"/>
@@ -6743,14 +6975,14 @@
           </a:p>
           <a:p>
             <a:r>
-              <a:rPr lang="zh-CN" altLang="en-US" sz="1600">
+              <a:rPr lang="zh-CN" altLang="en-US" sz="2000">
                 <a:latin typeface="宋体" panose="02010600030101010101" pitchFamily="2" charset="-122"/>
                 <a:ea typeface="宋体" panose="02010600030101010101" pitchFamily="2" charset="-122"/>
                 <a:cs typeface="宋体" panose="02010600030101010101" pitchFamily="2" charset="-122"/>
               </a:rPr>
               <a:t>动态代理类不仅简化了编程工作，而且提高了软件系统的扩展性和可维护性。我们可以通过实现java.lang.reflect.InvocationHandler接口提供一个执行处理器，然后通过java.lang.reflect.Proxy得到一个代理对象，通过这个代理对象来执行业务逻辑方法,在业务逻辑方法被调用的同时，自动调用会执行处理器。</a:t>
             </a:r>
-            <a:endParaRPr lang="zh-CN" altLang="en-US" sz="1600">
+            <a:endParaRPr lang="zh-CN" altLang="en-US" sz="2000">
               <a:latin typeface="宋体" panose="02010600030101010101" pitchFamily="2" charset="-122"/>
               <a:ea typeface="宋体" panose="02010600030101010101" pitchFamily="2" charset="-122"/>
               <a:cs typeface="宋体" panose="02010600030101010101" pitchFamily="2" charset="-122"/>
@@ -6758,38 +6990,55 @@
           </a:p>
         </p:txBody>
       </p:sp>
-    </p:spTree>
-    <p:custDataLst>
-      <p:tags r:id="rId2"/>
-    </p:custDataLst>
-  </p:cSld>
-  <p:clrMapOvr>
-    <a:masterClrMapping/>
-  </p:clrMapOvr>
-</p:sld>
-</file>
-
-<file path=ppt/slides/slide13.xml><?xml version="1.0" encoding="utf-8"?>
-<p:sld xmlns:a="http://schemas.openxmlformats.org/drawingml/2006/main" xmlns:r="http://schemas.openxmlformats.org/officeDocument/2006/relationships" xmlns:p="http://schemas.openxmlformats.org/presentationml/2006/main">
-  <p:cSld>
-    <p:bg>
-      <p:bgPr>
-        <a:blipFill rotWithShape="1">
-          <a:blip r:embed="rId1"/>
-          <a:stretch>
-            <a:fillRect/>
-          </a:stretch>
-        </a:blipFill>
-        <a:effectLst/>
-      </p:bgPr>
-    </p:bg>
-    <p:spTree>
-      <p:nvGrpSpPr>
-        <p:cNvPr id="1" name=""/>
-        <p:cNvGrpSpPr/>
-        <p:nvPr/>
-      </p:nvGrpSpPr>
-      <p:grpSpPr/>
+      <p:sp>
+        <p:nvSpPr>
+          <p:cNvPr id="6" name="文本框 5"/>
+          <p:cNvSpPr txBox="1"/>
+          <p:nvPr/>
+        </p:nvSpPr>
+        <p:spPr>
+          <a:xfrm>
+            <a:off x="337820" y="564515"/>
+            <a:ext cx="11582400" cy="583565"/>
+          </a:xfrm>
+          <a:prstGeom prst="rect">
+            <a:avLst/>
+          </a:prstGeom>
+          <a:noFill/>
+        </p:spPr>
+        <p:txBody>
+          <a:bodyPr wrap="square" rtlCol="0">
+            <a:spAutoFit/>
+          </a:bodyPr>
+          <a:p>
+            <a:pPr algn="ctr"/>
+            <a:r>
+              <a:rPr lang="en-US" altLang="zh-CN" sz="3200">
+                <a:latin typeface="+mj-ea"/>
+                <a:ea typeface="+mj-ea"/>
+                <a:cs typeface="+mj-ea"/>
+                <a:sym typeface="+mn-ea"/>
+              </a:rPr>
+              <a:t>AOP</a:t>
+            </a:r>
+            <a:r>
+              <a:rPr lang="zh-CN" altLang="en-US" sz="3200">
+                <a:latin typeface="+mj-ea"/>
+                <a:ea typeface="+mj-ea"/>
+                <a:cs typeface="+mj-ea"/>
+                <a:sym typeface="+mn-ea"/>
+              </a:rPr>
+              <a:t>切面编程</a:t>
+            </a:r>
+            <a:endParaRPr lang="zh-CN" altLang="en-US" sz="3200">
+              <a:latin typeface="+mj-ea"/>
+              <a:ea typeface="+mj-ea"/>
+              <a:cs typeface="+mj-ea"/>
+              <a:sym typeface="+mn-ea"/>
+            </a:endParaRPr>
+          </a:p>
+        </p:txBody>
+      </p:sp>
     </p:spTree>
     <p:custDataLst>
       <p:tags r:id="rId2"/>
@@ -6822,9 +7071,968 @@
         <p:nvPr/>
       </p:nvGrpSpPr>
       <p:grpSpPr/>
+      <p:sp>
+        <p:nvSpPr>
+          <p:cNvPr id="5" name="流程图: 过程 4"/>
+          <p:cNvSpPr/>
+          <p:nvPr/>
+        </p:nvSpPr>
+        <p:spPr>
+          <a:xfrm>
+            <a:off x="2735580" y="716915"/>
+            <a:ext cx="4021455" cy="1153795"/>
+          </a:xfrm>
+          <a:prstGeom prst="flowChartProcess">
+            <a:avLst/>
+          </a:prstGeom>
+          <a:noFill/>
+          <a:ln w="38100">
+            <a:solidFill>
+              <a:srgbClr val="FFC000"/>
+            </a:solidFill>
+          </a:ln>
+          <a:extLst>
+            <a:ext uri="{909E8E84-426E-40DD-AFC4-6F175D3DCCD1}">
+              <a14:hiddenFill xmlns:a14="http://schemas.microsoft.com/office/drawing/2010/main">
+                <a:solidFill>
+                  <a:schemeClr val="accent2"/>
+                </a:solidFill>
+              </a14:hiddenFill>
+            </a:ext>
+          </a:extLst>
+        </p:spPr>
+        <p:style>
+          <a:lnRef idx="2">
+            <a:schemeClr val="accent1">
+              <a:shade val="50000"/>
+            </a:schemeClr>
+          </a:lnRef>
+          <a:fillRef idx="1">
+            <a:schemeClr val="accent1"/>
+          </a:fillRef>
+          <a:effectRef idx="0">
+            <a:schemeClr val="accent1"/>
+          </a:effectRef>
+          <a:fontRef idx="minor">
+            <a:schemeClr val="lt1"/>
+          </a:fontRef>
+        </p:style>
+        <p:txBody>
+          <a:bodyPr rtlCol="0" anchor="ctr"/>
+          <a:p>
+            <a:pPr algn="ctr"/>
+            <a:endParaRPr lang="zh-CN" altLang="en-US"/>
+          </a:p>
+        </p:txBody>
+      </p:sp>
+      <p:sp>
+        <p:nvSpPr>
+          <p:cNvPr id="6" name="流程图: 过程 5"/>
+          <p:cNvSpPr/>
+          <p:nvPr/>
+        </p:nvSpPr>
+        <p:spPr>
+          <a:xfrm>
+            <a:off x="266700" y="2498725"/>
+            <a:ext cx="4021455" cy="1153795"/>
+          </a:xfrm>
+          <a:prstGeom prst="flowChartProcess">
+            <a:avLst/>
+          </a:prstGeom>
+          <a:noFill/>
+          <a:ln w="38100">
+            <a:solidFill>
+              <a:srgbClr val="FFC000"/>
+            </a:solidFill>
+          </a:ln>
+          <a:extLst>
+            <a:ext uri="{909E8E84-426E-40DD-AFC4-6F175D3DCCD1}">
+              <a14:hiddenFill xmlns:a14="http://schemas.microsoft.com/office/drawing/2010/main">
+                <a:solidFill>
+                  <a:schemeClr val="accent2"/>
+                </a:solidFill>
+              </a14:hiddenFill>
+            </a:ext>
+          </a:extLst>
+        </p:spPr>
+        <p:style>
+          <a:lnRef idx="2">
+            <a:schemeClr val="accent1">
+              <a:shade val="50000"/>
+            </a:schemeClr>
+          </a:lnRef>
+          <a:fillRef idx="1">
+            <a:schemeClr val="accent1"/>
+          </a:fillRef>
+          <a:effectRef idx="0">
+            <a:schemeClr val="accent1"/>
+          </a:effectRef>
+          <a:fontRef idx="minor">
+            <a:schemeClr val="lt1"/>
+          </a:fontRef>
+        </p:style>
+        <p:txBody>
+          <a:bodyPr rtlCol="0" anchor="ctr"/>
+          <a:p>
+            <a:pPr algn="ctr"/>
+            <a:endParaRPr lang="zh-CN" altLang="en-US"/>
+          </a:p>
+        </p:txBody>
+      </p:sp>
+      <p:sp>
+        <p:nvSpPr>
+          <p:cNvPr id="7" name="流程图: 过程 6"/>
+          <p:cNvSpPr/>
+          <p:nvPr/>
+        </p:nvSpPr>
+        <p:spPr>
+          <a:xfrm>
+            <a:off x="5511800" y="2498725"/>
+            <a:ext cx="6002020" cy="2586990"/>
+          </a:xfrm>
+          <a:prstGeom prst="flowChartProcess">
+            <a:avLst/>
+          </a:prstGeom>
+          <a:noFill/>
+          <a:ln w="38100">
+            <a:solidFill>
+              <a:srgbClr val="FFC000"/>
+            </a:solidFill>
+          </a:ln>
+          <a:extLst>
+            <a:ext uri="{909E8E84-426E-40DD-AFC4-6F175D3DCCD1}">
+              <a14:hiddenFill xmlns:a14="http://schemas.microsoft.com/office/drawing/2010/main">
+                <a:solidFill>
+                  <a:schemeClr val="accent2"/>
+                </a:solidFill>
+              </a14:hiddenFill>
+            </a:ext>
+          </a:extLst>
+        </p:spPr>
+        <p:style>
+          <a:lnRef idx="2">
+            <a:schemeClr val="accent1">
+              <a:shade val="50000"/>
+            </a:schemeClr>
+          </a:lnRef>
+          <a:fillRef idx="1">
+            <a:schemeClr val="accent1"/>
+          </a:fillRef>
+          <a:effectRef idx="0">
+            <a:schemeClr val="accent1"/>
+          </a:effectRef>
+          <a:fontRef idx="minor">
+            <a:schemeClr val="lt1"/>
+          </a:fontRef>
+        </p:style>
+        <p:txBody>
+          <a:bodyPr rtlCol="0" anchor="ctr"/>
+          <a:p>
+            <a:pPr algn="ctr"/>
+            <a:endParaRPr lang="zh-CN" altLang="en-US"/>
+          </a:p>
+        </p:txBody>
+      </p:sp>
+      <p:sp>
+        <p:nvSpPr>
+          <p:cNvPr id="8" name="文本框 7"/>
+          <p:cNvSpPr txBox="1"/>
+          <p:nvPr/>
+        </p:nvSpPr>
+        <p:spPr>
+          <a:xfrm>
+            <a:off x="2795270" y="786130"/>
+            <a:ext cx="1304290" cy="368300"/>
+          </a:xfrm>
+          <a:prstGeom prst="rect">
+            <a:avLst/>
+          </a:prstGeom>
+          <a:noFill/>
+        </p:spPr>
+        <p:txBody>
+          <a:bodyPr wrap="square" rtlCol="0">
+            <a:spAutoFit/>
+          </a:bodyPr>
+          <a:p>
+            <a:r>
+              <a:rPr lang="zh-CN" altLang="en-US" b="1">
+                <a:solidFill>
+                  <a:schemeClr val="accent1"/>
+                </a:solidFill>
+              </a:rPr>
+              <a:t>接口</a:t>
+            </a:r>
+            <a:endParaRPr lang="zh-CN" altLang="en-US" b="1">
+              <a:solidFill>
+                <a:schemeClr val="accent1"/>
+              </a:solidFill>
+            </a:endParaRPr>
+          </a:p>
+        </p:txBody>
+      </p:sp>
+      <p:sp>
+        <p:nvSpPr>
+          <p:cNvPr id="9" name="文本框 8"/>
+          <p:cNvSpPr txBox="1"/>
+          <p:nvPr/>
+        </p:nvSpPr>
+        <p:spPr>
+          <a:xfrm>
+            <a:off x="386715" y="2597785"/>
+            <a:ext cx="1094740" cy="368300"/>
+          </a:xfrm>
+          <a:prstGeom prst="rect">
+            <a:avLst/>
+          </a:prstGeom>
+          <a:noFill/>
+        </p:spPr>
+        <p:txBody>
+          <a:bodyPr wrap="square" rtlCol="0">
+            <a:spAutoFit/>
+          </a:bodyPr>
+          <a:p>
+            <a:r>
+              <a:rPr lang="zh-CN" altLang="en-US" b="1">
+                <a:solidFill>
+                  <a:schemeClr val="accent1"/>
+                </a:solidFill>
+              </a:rPr>
+              <a:t>实现类</a:t>
+            </a:r>
+            <a:r>
+              <a:rPr lang="en-US" altLang="zh-CN" b="1">
+                <a:solidFill>
+                  <a:schemeClr val="accent1"/>
+                </a:solidFill>
+              </a:rPr>
+              <a:t>1</a:t>
+            </a:r>
+            <a:endParaRPr lang="en-US" altLang="zh-CN" b="1">
+              <a:solidFill>
+                <a:schemeClr val="accent1"/>
+              </a:solidFill>
+            </a:endParaRPr>
+          </a:p>
+        </p:txBody>
+      </p:sp>
+      <p:sp>
+        <p:nvSpPr>
+          <p:cNvPr id="10" name="文本框 9"/>
+          <p:cNvSpPr txBox="1"/>
+          <p:nvPr/>
+        </p:nvSpPr>
+        <p:spPr>
+          <a:xfrm>
+            <a:off x="5662295" y="2617470"/>
+            <a:ext cx="3712210" cy="368300"/>
+          </a:xfrm>
+          <a:prstGeom prst="rect">
+            <a:avLst/>
+          </a:prstGeom>
+          <a:noFill/>
+        </p:spPr>
+        <p:txBody>
+          <a:bodyPr wrap="square" rtlCol="0">
+            <a:spAutoFit/>
+          </a:bodyPr>
+          <a:p>
+            <a:r>
+              <a:rPr lang="zh-CN" altLang="en-US" b="1">
+                <a:solidFill>
+                  <a:schemeClr val="accent1"/>
+                </a:solidFill>
+              </a:rPr>
+              <a:t>实现类</a:t>
+            </a:r>
+            <a:r>
+              <a:rPr lang="en-US" altLang="zh-CN" b="1">
+                <a:solidFill>
+                  <a:schemeClr val="accent1"/>
+                </a:solidFill>
+              </a:rPr>
+              <a:t>2 = </a:t>
+            </a:r>
+            <a:r>
+              <a:rPr lang="zh-CN" altLang="en-US" b="1">
+                <a:solidFill>
+                  <a:schemeClr val="accent1"/>
+                </a:solidFill>
+              </a:rPr>
+              <a:t>实现类</a:t>
+            </a:r>
+            <a:r>
+              <a:rPr lang="en-US" altLang="zh-CN" b="1">
+                <a:solidFill>
+                  <a:schemeClr val="accent1"/>
+                </a:solidFill>
+              </a:rPr>
+              <a:t>1</a:t>
+            </a:r>
+            <a:r>
+              <a:rPr lang="en-US" altLang="zh-CN" b="1">
+                <a:solidFill>
+                  <a:schemeClr val="accent1"/>
+                </a:solidFill>
+              </a:rPr>
+              <a:t>$</a:t>
+            </a:r>
+            <a:r>
+              <a:rPr lang="zh-CN" altLang="en-US" b="1">
+                <a:solidFill>
+                  <a:schemeClr val="accent1"/>
+                </a:solidFill>
+              </a:rPr>
+              <a:t>代理类</a:t>
+            </a:r>
+            <a:endParaRPr lang="zh-CN" altLang="en-US" b="1">
+              <a:solidFill>
+                <a:schemeClr val="accent1"/>
+              </a:solidFill>
+            </a:endParaRPr>
+          </a:p>
+        </p:txBody>
+      </p:sp>
+      <p:sp>
+        <p:nvSpPr>
+          <p:cNvPr id="11" name="文本框 10"/>
+          <p:cNvSpPr txBox="1"/>
+          <p:nvPr/>
+        </p:nvSpPr>
+        <p:spPr>
+          <a:xfrm>
+            <a:off x="4098925" y="866140"/>
+            <a:ext cx="2160270" cy="368300"/>
+          </a:xfrm>
+          <a:prstGeom prst="rect">
+            <a:avLst/>
+          </a:prstGeom>
+          <a:noFill/>
+        </p:spPr>
+        <p:txBody>
+          <a:bodyPr wrap="square" rtlCol="0">
+            <a:spAutoFit/>
+          </a:bodyPr>
+          <a:p>
+            <a:r>
+              <a:rPr lang="en-US" altLang="zh-CN" b="1">
+                <a:solidFill>
+                  <a:schemeClr val="accent1"/>
+                </a:solidFill>
+              </a:rPr>
+              <a:t>methodA</a:t>
+            </a:r>
+            <a:endParaRPr lang="en-US" altLang="zh-CN" b="1">
+              <a:solidFill>
+                <a:schemeClr val="accent1"/>
+              </a:solidFill>
+            </a:endParaRPr>
+          </a:p>
+        </p:txBody>
+      </p:sp>
+      <p:sp>
+        <p:nvSpPr>
+          <p:cNvPr id="12" name="文本框 11"/>
+          <p:cNvSpPr txBox="1"/>
+          <p:nvPr/>
+        </p:nvSpPr>
+        <p:spPr>
+          <a:xfrm>
+            <a:off x="4098925" y="1154430"/>
+            <a:ext cx="2160270" cy="368300"/>
+          </a:xfrm>
+          <a:prstGeom prst="rect">
+            <a:avLst/>
+          </a:prstGeom>
+          <a:noFill/>
+        </p:spPr>
+        <p:txBody>
+          <a:bodyPr wrap="square" rtlCol="0">
+            <a:spAutoFit/>
+          </a:bodyPr>
+          <a:p>
+            <a:r>
+              <a:rPr lang="en-US" altLang="zh-CN" b="1">
+                <a:solidFill>
+                  <a:schemeClr val="accent1"/>
+                </a:solidFill>
+              </a:rPr>
+              <a:t>methodB</a:t>
+            </a:r>
+            <a:endParaRPr lang="en-US" altLang="zh-CN" b="1">
+              <a:solidFill>
+                <a:schemeClr val="accent1"/>
+              </a:solidFill>
+            </a:endParaRPr>
+          </a:p>
+        </p:txBody>
+      </p:sp>
+      <p:sp>
+        <p:nvSpPr>
+          <p:cNvPr id="13" name="文本框 12"/>
+          <p:cNvSpPr txBox="1"/>
+          <p:nvPr/>
+        </p:nvSpPr>
+        <p:spPr>
+          <a:xfrm>
+            <a:off x="4098925" y="1426210"/>
+            <a:ext cx="2160270" cy="368300"/>
+          </a:xfrm>
+          <a:prstGeom prst="rect">
+            <a:avLst/>
+          </a:prstGeom>
+          <a:noFill/>
+        </p:spPr>
+        <p:txBody>
+          <a:bodyPr wrap="square" rtlCol="0">
+            <a:spAutoFit/>
+          </a:bodyPr>
+          <a:p>
+            <a:r>
+              <a:rPr lang="en-US" altLang="zh-CN" b="1">
+                <a:solidFill>
+                  <a:schemeClr val="accent1"/>
+                </a:solidFill>
+              </a:rPr>
+              <a:t>methodC</a:t>
+            </a:r>
+            <a:endParaRPr lang="en-US" altLang="zh-CN" b="1">
+              <a:solidFill>
+                <a:schemeClr val="accent1"/>
+              </a:solidFill>
+            </a:endParaRPr>
+          </a:p>
+        </p:txBody>
+      </p:sp>
+      <p:sp>
+        <p:nvSpPr>
+          <p:cNvPr id="14" name="文本框 13"/>
+          <p:cNvSpPr txBox="1"/>
+          <p:nvPr/>
+        </p:nvSpPr>
+        <p:spPr>
+          <a:xfrm>
+            <a:off x="1757680" y="2607310"/>
+            <a:ext cx="2160270" cy="368300"/>
+          </a:xfrm>
+          <a:prstGeom prst="rect">
+            <a:avLst/>
+          </a:prstGeom>
+          <a:noFill/>
+        </p:spPr>
+        <p:txBody>
+          <a:bodyPr wrap="square" rtlCol="0">
+            <a:spAutoFit/>
+          </a:bodyPr>
+          <a:p>
+            <a:r>
+              <a:rPr lang="en-US" altLang="zh-CN" b="1">
+                <a:solidFill>
+                  <a:schemeClr val="accent1"/>
+                </a:solidFill>
+              </a:rPr>
+              <a:t>methodA</a:t>
+            </a:r>
+            <a:endParaRPr lang="en-US" altLang="zh-CN" b="1">
+              <a:solidFill>
+                <a:schemeClr val="accent1"/>
+              </a:solidFill>
+            </a:endParaRPr>
+          </a:p>
+        </p:txBody>
+      </p:sp>
+      <p:sp>
+        <p:nvSpPr>
+          <p:cNvPr id="15" name="文本框 14"/>
+          <p:cNvSpPr txBox="1"/>
+          <p:nvPr/>
+        </p:nvSpPr>
+        <p:spPr>
+          <a:xfrm>
+            <a:off x="1757680" y="2895600"/>
+            <a:ext cx="2160270" cy="368300"/>
+          </a:xfrm>
+          <a:prstGeom prst="rect">
+            <a:avLst/>
+          </a:prstGeom>
+          <a:noFill/>
+        </p:spPr>
+        <p:txBody>
+          <a:bodyPr wrap="square" rtlCol="0">
+            <a:spAutoFit/>
+          </a:bodyPr>
+          <a:p>
+            <a:r>
+              <a:rPr lang="en-US" altLang="zh-CN" b="1">
+                <a:solidFill>
+                  <a:schemeClr val="accent1"/>
+                </a:solidFill>
+              </a:rPr>
+              <a:t>methodB</a:t>
+            </a:r>
+            <a:endParaRPr lang="en-US" altLang="zh-CN" b="1">
+              <a:solidFill>
+                <a:schemeClr val="accent1"/>
+              </a:solidFill>
+            </a:endParaRPr>
+          </a:p>
+        </p:txBody>
+      </p:sp>
+      <p:sp>
+        <p:nvSpPr>
+          <p:cNvPr id="16" name="文本框 15"/>
+          <p:cNvSpPr txBox="1"/>
+          <p:nvPr/>
+        </p:nvSpPr>
+        <p:spPr>
+          <a:xfrm>
+            <a:off x="1757680" y="3167380"/>
+            <a:ext cx="2160270" cy="368300"/>
+          </a:xfrm>
+          <a:prstGeom prst="rect">
+            <a:avLst/>
+          </a:prstGeom>
+          <a:noFill/>
+        </p:spPr>
+        <p:txBody>
+          <a:bodyPr wrap="square" rtlCol="0">
+            <a:spAutoFit/>
+          </a:bodyPr>
+          <a:p>
+            <a:r>
+              <a:rPr lang="en-US" altLang="zh-CN" b="1">
+                <a:solidFill>
+                  <a:schemeClr val="accent1"/>
+                </a:solidFill>
+              </a:rPr>
+              <a:t>methodC</a:t>
+            </a:r>
+            <a:endParaRPr lang="en-US" altLang="zh-CN" b="1">
+              <a:solidFill>
+                <a:schemeClr val="accent1"/>
+              </a:solidFill>
+            </a:endParaRPr>
+          </a:p>
+        </p:txBody>
+      </p:sp>
+      <p:cxnSp>
+        <p:nvCxnSpPr>
+          <p:cNvPr id="17" name="直接箭头连接符 16"/>
+          <p:cNvCxnSpPr>
+            <a:stCxn id="6" idx="0"/>
+            <a:endCxn id="5" idx="2"/>
+          </p:cNvCxnSpPr>
+          <p:nvPr/>
+        </p:nvCxnSpPr>
+        <p:spPr>
+          <a:xfrm flipV="1">
+            <a:off x="2277745" y="1861185"/>
+            <a:ext cx="2468880" cy="628015"/>
+          </a:xfrm>
+          <a:prstGeom prst="straightConnector1">
+            <a:avLst/>
+          </a:prstGeom>
+          <a:ln w="38100">
+            <a:solidFill>
+              <a:srgbClr val="FFC000"/>
+            </a:solidFill>
+            <a:tailEnd type="arrow"/>
+          </a:ln>
+        </p:spPr>
+        <p:style>
+          <a:lnRef idx="1">
+            <a:schemeClr val="accent1"/>
+          </a:lnRef>
+          <a:fillRef idx="0">
+            <a:schemeClr val="accent1"/>
+          </a:fillRef>
+          <a:effectRef idx="0">
+            <a:schemeClr val="accent1"/>
+          </a:effectRef>
+          <a:fontRef idx="minor">
+            <a:schemeClr val="tx1"/>
+          </a:fontRef>
+        </p:style>
+      </p:cxnSp>
+      <p:sp>
+        <p:nvSpPr>
+          <p:cNvPr id="21" name="文本框 20"/>
+          <p:cNvSpPr txBox="1"/>
+          <p:nvPr/>
+        </p:nvSpPr>
+        <p:spPr>
+          <a:xfrm>
+            <a:off x="5671185" y="3681095"/>
+            <a:ext cx="1691005" cy="368300"/>
+          </a:xfrm>
+          <a:prstGeom prst="rect">
+            <a:avLst/>
+          </a:prstGeom>
+          <a:noFill/>
+        </p:spPr>
+        <p:txBody>
+          <a:bodyPr wrap="square" rtlCol="0">
+            <a:spAutoFit/>
+          </a:bodyPr>
+          <a:p>
+            <a:r>
+              <a:rPr lang="zh-CN" altLang="en-US" b="1">
+                <a:solidFill>
+                  <a:srgbClr val="FFC000"/>
+                </a:solidFill>
+              </a:rPr>
+              <a:t>实现类</a:t>
+            </a:r>
+            <a:r>
+              <a:rPr lang="en-US" altLang="zh-CN" b="1">
+                <a:solidFill>
+                  <a:srgbClr val="FFC000"/>
+                </a:solidFill>
+              </a:rPr>
+              <a:t>1</a:t>
+            </a:r>
+            <a:r>
+              <a:rPr lang="zh-CN" altLang="en-US" b="1">
+                <a:solidFill>
+                  <a:srgbClr val="FFC000"/>
+                </a:solidFill>
+              </a:rPr>
+              <a:t>实例</a:t>
+            </a:r>
+            <a:endParaRPr lang="zh-CN" altLang="en-US" b="1">
+              <a:solidFill>
+                <a:srgbClr val="FFC000"/>
+              </a:solidFill>
+            </a:endParaRPr>
+          </a:p>
+        </p:txBody>
+      </p:sp>
+      <p:sp>
+        <p:nvSpPr>
+          <p:cNvPr id="22" name="文本框 21"/>
+          <p:cNvSpPr txBox="1"/>
+          <p:nvPr/>
+        </p:nvSpPr>
+        <p:spPr>
+          <a:xfrm>
+            <a:off x="7362190" y="3620135"/>
+            <a:ext cx="4152265" cy="368300"/>
+          </a:xfrm>
+          <a:prstGeom prst="rect">
+            <a:avLst/>
+          </a:prstGeom>
+          <a:noFill/>
+        </p:spPr>
+        <p:txBody>
+          <a:bodyPr wrap="square" rtlCol="0">
+            <a:spAutoFit/>
+          </a:bodyPr>
+          <a:p>
+            <a:r>
+              <a:rPr lang="en-US" altLang="zh-CN" b="1">
+                <a:solidFill>
+                  <a:schemeClr val="accent1"/>
+                </a:solidFill>
+              </a:rPr>
+              <a:t>methodA  =  </a:t>
+            </a:r>
+            <a:r>
+              <a:rPr lang="zh-CN" altLang="en-US" b="1">
+                <a:solidFill>
+                  <a:schemeClr val="accent1"/>
+                </a:solidFill>
+              </a:rPr>
+              <a:t>实现类</a:t>
+            </a:r>
+            <a:r>
+              <a:rPr lang="en-US" altLang="zh-CN" b="1">
+                <a:solidFill>
+                  <a:schemeClr val="accent1"/>
+                </a:solidFill>
+              </a:rPr>
+              <a:t>1 </a:t>
+            </a:r>
+            <a:r>
+              <a:rPr lang="zh-CN" altLang="en-US" b="1">
+                <a:solidFill>
+                  <a:schemeClr val="accent1"/>
+                </a:solidFill>
+              </a:rPr>
+              <a:t>实例</a:t>
+            </a:r>
+            <a:r>
+              <a:rPr lang="en-US" altLang="zh-CN" b="1">
+                <a:solidFill>
+                  <a:schemeClr val="accent1"/>
+                </a:solidFill>
+              </a:rPr>
+              <a:t>.methodA</a:t>
+            </a:r>
+            <a:endParaRPr lang="en-US" altLang="zh-CN" b="1">
+              <a:solidFill>
+                <a:schemeClr val="accent1"/>
+              </a:solidFill>
+            </a:endParaRPr>
+          </a:p>
+        </p:txBody>
+      </p:sp>
+      <p:cxnSp>
+        <p:nvCxnSpPr>
+          <p:cNvPr id="28" name="直接箭头连接符 27"/>
+          <p:cNvCxnSpPr>
+            <a:stCxn id="7" idx="0"/>
+            <a:endCxn id="5" idx="2"/>
+          </p:cNvCxnSpPr>
+          <p:nvPr/>
+        </p:nvCxnSpPr>
+        <p:spPr>
+          <a:xfrm flipH="1" flipV="1">
+            <a:off x="4746625" y="1861185"/>
+            <a:ext cx="3766185" cy="628015"/>
+          </a:xfrm>
+          <a:prstGeom prst="straightConnector1">
+            <a:avLst/>
+          </a:prstGeom>
+          <a:ln w="38100">
+            <a:solidFill>
+              <a:srgbClr val="FFC000"/>
+            </a:solidFill>
+            <a:tailEnd type="arrow"/>
+          </a:ln>
+        </p:spPr>
+        <p:style>
+          <a:lnRef idx="1">
+            <a:schemeClr val="accent1"/>
+          </a:lnRef>
+          <a:fillRef idx="0">
+            <a:schemeClr val="accent1"/>
+          </a:fillRef>
+          <a:effectRef idx="0">
+            <a:schemeClr val="accent1"/>
+          </a:effectRef>
+          <a:fontRef idx="minor">
+            <a:schemeClr val="tx1"/>
+          </a:fontRef>
+        </p:style>
+      </p:cxnSp>
+      <p:sp>
+        <p:nvSpPr>
+          <p:cNvPr id="29" name="文本框 28"/>
+          <p:cNvSpPr txBox="1"/>
+          <p:nvPr/>
+        </p:nvSpPr>
+        <p:spPr>
+          <a:xfrm>
+            <a:off x="7361555" y="3970655"/>
+            <a:ext cx="4152265" cy="368300"/>
+          </a:xfrm>
+          <a:prstGeom prst="rect">
+            <a:avLst/>
+          </a:prstGeom>
+          <a:noFill/>
+        </p:spPr>
+        <p:txBody>
+          <a:bodyPr wrap="square" rtlCol="0">
+            <a:spAutoFit/>
+          </a:bodyPr>
+          <a:p>
+            <a:r>
+              <a:rPr lang="en-US" altLang="zh-CN" b="1">
+                <a:solidFill>
+                  <a:schemeClr val="accent1"/>
+                </a:solidFill>
+              </a:rPr>
+              <a:t>methodB  =  </a:t>
+            </a:r>
+            <a:r>
+              <a:rPr lang="zh-CN" altLang="en-US" b="1">
+                <a:solidFill>
+                  <a:schemeClr val="accent1"/>
+                </a:solidFill>
+              </a:rPr>
+              <a:t>实现类</a:t>
+            </a:r>
+            <a:r>
+              <a:rPr lang="en-US" altLang="zh-CN" b="1">
+                <a:solidFill>
+                  <a:schemeClr val="accent1"/>
+                </a:solidFill>
+              </a:rPr>
+              <a:t>1 </a:t>
+            </a:r>
+            <a:r>
+              <a:rPr lang="zh-CN" altLang="en-US" b="1">
+                <a:solidFill>
+                  <a:schemeClr val="accent1"/>
+                </a:solidFill>
+              </a:rPr>
+              <a:t>实例</a:t>
+            </a:r>
+            <a:r>
+              <a:rPr lang="en-US" altLang="zh-CN" b="1">
+                <a:solidFill>
+                  <a:schemeClr val="accent1"/>
+                </a:solidFill>
+              </a:rPr>
+              <a:t>.methodB</a:t>
+            </a:r>
+            <a:endParaRPr lang="en-US" altLang="zh-CN" b="1">
+              <a:solidFill>
+                <a:schemeClr val="accent1"/>
+              </a:solidFill>
+            </a:endParaRPr>
+          </a:p>
+        </p:txBody>
+      </p:sp>
+      <p:sp>
+        <p:nvSpPr>
+          <p:cNvPr id="30" name="文本框 29"/>
+          <p:cNvSpPr txBox="1"/>
+          <p:nvPr/>
+        </p:nvSpPr>
+        <p:spPr>
+          <a:xfrm>
+            <a:off x="7361555" y="4311650"/>
+            <a:ext cx="4152265" cy="368300"/>
+          </a:xfrm>
+          <a:prstGeom prst="rect">
+            <a:avLst/>
+          </a:prstGeom>
+          <a:noFill/>
+        </p:spPr>
+        <p:txBody>
+          <a:bodyPr wrap="square" rtlCol="0">
+            <a:spAutoFit/>
+          </a:bodyPr>
+          <a:p>
+            <a:r>
+              <a:rPr lang="en-US" altLang="zh-CN" b="1">
+                <a:solidFill>
+                  <a:schemeClr val="accent1"/>
+                </a:solidFill>
+              </a:rPr>
+              <a:t>methodC  =  </a:t>
+            </a:r>
+            <a:r>
+              <a:rPr lang="zh-CN" altLang="en-US" b="1">
+                <a:solidFill>
+                  <a:schemeClr val="accent1"/>
+                </a:solidFill>
+              </a:rPr>
+              <a:t>实现类</a:t>
+            </a:r>
+            <a:r>
+              <a:rPr lang="en-US" altLang="zh-CN" b="1">
+                <a:solidFill>
+                  <a:schemeClr val="accent1"/>
+                </a:solidFill>
+              </a:rPr>
+              <a:t>1 </a:t>
+            </a:r>
+            <a:r>
+              <a:rPr lang="zh-CN" altLang="en-US" b="1">
+                <a:solidFill>
+                  <a:schemeClr val="accent1"/>
+                </a:solidFill>
+              </a:rPr>
+              <a:t>实例</a:t>
+            </a:r>
+            <a:r>
+              <a:rPr lang="en-US" altLang="zh-CN" b="1">
+                <a:solidFill>
+                  <a:schemeClr val="accent1"/>
+                </a:solidFill>
+              </a:rPr>
+              <a:t>.methodC</a:t>
+            </a:r>
+            <a:endParaRPr lang="en-US" altLang="zh-CN" b="1">
+              <a:solidFill>
+                <a:schemeClr val="accent1"/>
+              </a:solidFill>
+            </a:endParaRPr>
+          </a:p>
+        </p:txBody>
+      </p:sp>
+      <p:pic>
+        <p:nvPicPr>
+          <p:cNvPr id="31" name="图片 30"/>
+          <p:cNvPicPr>
+            <a:picLocks noChangeAspect="1"/>
+          </p:cNvPicPr>
+          <p:nvPr/>
+        </p:nvPicPr>
+        <p:blipFill>
+          <a:blip r:embed="rId2"/>
+          <a:stretch>
+            <a:fillRect/>
+          </a:stretch>
+        </p:blipFill>
+        <p:spPr>
+          <a:xfrm>
+            <a:off x="4895850" y="5327015"/>
+            <a:ext cx="7188200" cy="1365250"/>
+          </a:xfrm>
+          <a:prstGeom prst="rect">
+            <a:avLst/>
+          </a:prstGeom>
+        </p:spPr>
+      </p:pic>
+      <p:sp>
+        <p:nvSpPr>
+          <p:cNvPr id="32" name="椭圆形标注 31"/>
+          <p:cNvSpPr/>
+          <p:nvPr/>
+        </p:nvSpPr>
+        <p:spPr>
+          <a:xfrm>
+            <a:off x="7114540" y="3251835"/>
+            <a:ext cx="4354830" cy="1903730"/>
+          </a:xfrm>
+          <a:prstGeom prst="wedgeEllipseCallout">
+            <a:avLst/>
+          </a:prstGeom>
+          <a:noFill/>
+          <a:ln w="38100">
+            <a:solidFill>
+              <a:srgbClr val="C74FFF"/>
+            </a:solidFill>
+          </a:ln>
+          <a:extLst>
+            <a:ext uri="{909E8E84-426E-40DD-AFC4-6F175D3DCCD1}">
+              <a14:hiddenFill xmlns:a14="http://schemas.microsoft.com/office/drawing/2010/main">
+                <a:solidFill>
+                  <a:schemeClr val="accent1"/>
+                </a:solidFill>
+              </a14:hiddenFill>
+            </a:ext>
+          </a:extLst>
+        </p:spPr>
+        <p:style>
+          <a:lnRef idx="2">
+            <a:schemeClr val="accent1">
+              <a:shade val="50000"/>
+            </a:schemeClr>
+          </a:lnRef>
+          <a:fillRef idx="1">
+            <a:schemeClr val="accent1"/>
+          </a:fillRef>
+          <a:effectRef idx="0">
+            <a:schemeClr val="accent1"/>
+          </a:effectRef>
+          <a:fontRef idx="minor">
+            <a:schemeClr val="lt1"/>
+          </a:fontRef>
+        </p:style>
+        <p:txBody>
+          <a:bodyPr rtlCol="0" anchor="ctr"/>
+          <a:p>
+            <a:pPr algn="ctr"/>
+            <a:endParaRPr lang="zh-CN" altLang="en-US"/>
+          </a:p>
+        </p:txBody>
+      </p:sp>
     </p:spTree>
     <p:custDataLst>
-      <p:tags r:id="rId2"/>
+      <p:tags r:id="rId3"/>
     </p:custDataLst>
   </p:cSld>
   <p:clrMapOvr>
@@ -6865,102 +8073,6 @@
 </p:sld>
 </file>
 
-<file path=ppt/slides/slide16.xml><?xml version="1.0" encoding="utf-8"?>
-<p:sld xmlns:a="http://schemas.openxmlformats.org/drawingml/2006/main" xmlns:r="http://schemas.openxmlformats.org/officeDocument/2006/relationships" xmlns:p="http://schemas.openxmlformats.org/presentationml/2006/main">
-  <p:cSld>
-    <p:bg>
-      <p:bgPr>
-        <a:blipFill rotWithShape="1">
-          <a:blip r:embed="rId1"/>
-          <a:stretch>
-            <a:fillRect/>
-          </a:stretch>
-        </a:blipFill>
-        <a:effectLst/>
-      </p:bgPr>
-    </p:bg>
-    <p:spTree>
-      <p:nvGrpSpPr>
-        <p:cNvPr id="1" name=""/>
-        <p:cNvGrpSpPr/>
-        <p:nvPr/>
-      </p:nvGrpSpPr>
-      <p:grpSpPr/>
-    </p:spTree>
-    <p:custDataLst>
-      <p:tags r:id="rId2"/>
-    </p:custDataLst>
-  </p:cSld>
-  <p:clrMapOvr>
-    <a:masterClrMapping/>
-  </p:clrMapOvr>
-</p:sld>
-</file>
-
-<file path=ppt/slides/slide17.xml><?xml version="1.0" encoding="utf-8"?>
-<p:sld xmlns:a="http://schemas.openxmlformats.org/drawingml/2006/main" xmlns:r="http://schemas.openxmlformats.org/officeDocument/2006/relationships" xmlns:p="http://schemas.openxmlformats.org/presentationml/2006/main">
-  <p:cSld>
-    <p:bg>
-      <p:bgPr>
-        <a:blipFill rotWithShape="1">
-          <a:blip r:embed="rId1"/>
-          <a:stretch>
-            <a:fillRect/>
-          </a:stretch>
-        </a:blipFill>
-        <a:effectLst/>
-      </p:bgPr>
-    </p:bg>
-    <p:spTree>
-      <p:nvGrpSpPr>
-        <p:cNvPr id="1" name=""/>
-        <p:cNvGrpSpPr/>
-        <p:nvPr/>
-      </p:nvGrpSpPr>
-      <p:grpSpPr/>
-    </p:spTree>
-    <p:custDataLst>
-      <p:tags r:id="rId2"/>
-    </p:custDataLst>
-  </p:cSld>
-  <p:clrMapOvr>
-    <a:masterClrMapping/>
-  </p:clrMapOvr>
-</p:sld>
-</file>
-
-<file path=ppt/slides/slide18.xml><?xml version="1.0" encoding="utf-8"?>
-<p:sld xmlns:a="http://schemas.openxmlformats.org/drawingml/2006/main" xmlns:r="http://schemas.openxmlformats.org/officeDocument/2006/relationships" xmlns:p="http://schemas.openxmlformats.org/presentationml/2006/main">
-  <p:cSld>
-    <p:bg>
-      <p:bgPr>
-        <a:blipFill rotWithShape="1">
-          <a:blip r:embed="rId1"/>
-          <a:stretch>
-            <a:fillRect/>
-          </a:stretch>
-        </a:blipFill>
-        <a:effectLst/>
-      </p:bgPr>
-    </p:bg>
-    <p:spTree>
-      <p:nvGrpSpPr>
-        <p:cNvPr id="1" name=""/>
-        <p:cNvGrpSpPr/>
-        <p:nvPr/>
-      </p:nvGrpSpPr>
-      <p:grpSpPr/>
-    </p:spTree>
-    <p:custDataLst>
-      <p:tags r:id="rId2"/>
-    </p:custDataLst>
-  </p:cSld>
-  <p:clrMapOvr>
-    <a:masterClrMapping/>
-  </p:clrMapOvr>
-</p:sld>
-</file>
-
 <file path=ppt/slides/slide2.xml><?xml version="1.0" encoding="utf-8"?>
 <p:sld xmlns:a="http://schemas.openxmlformats.org/drawingml/2006/main" xmlns:r="http://schemas.openxmlformats.org/officeDocument/2006/relationships" xmlns:p="http://schemas.openxmlformats.org/presentationml/2006/main">
   <p:cSld>
@@ -6990,8 +8102,8 @@
         </p:nvSpPr>
         <p:spPr>
           <a:xfrm>
-            <a:off x="4537710" y="564515"/>
-            <a:ext cx="3233420" cy="583565"/>
+            <a:off x="337820" y="564515"/>
+            <a:ext cx="11582400" cy="583565"/>
           </a:xfrm>
           <a:prstGeom prst="rect">
             <a:avLst/>
@@ -7003,19 +8115,20 @@
             <a:spAutoFit/>
           </a:bodyPr>
           <a:p>
+            <a:pPr algn="ctr"/>
             <a:r>
               <a:rPr lang="zh-CN" altLang="en-US" sz="3200">
-                <a:latin typeface="宋体" panose="02010600030101010101" pitchFamily="2" charset="-122"/>
-                <a:ea typeface="宋体" panose="02010600030101010101" pitchFamily="2" charset="-122"/>
-                <a:cs typeface="宋体" panose="02010600030101010101" pitchFamily="2" charset="-122"/>
+                <a:latin typeface="+mj-ea"/>
+                <a:ea typeface="+mj-ea"/>
+                <a:cs typeface="+mj-ea"/>
                 <a:sym typeface="+mn-ea"/>
               </a:rPr>
               <a:t>Java 类加载器</a:t>
             </a:r>
             <a:endParaRPr lang="zh-CN" altLang="en-US" sz="3200">
-              <a:latin typeface="宋体" panose="02010600030101010101" pitchFamily="2" charset="-122"/>
-              <a:ea typeface="宋体" panose="02010600030101010101" pitchFamily="2" charset="-122"/>
-              <a:cs typeface="宋体" panose="02010600030101010101" pitchFamily="2" charset="-122"/>
+              <a:latin typeface="+mj-ea"/>
+              <a:ea typeface="+mj-ea"/>
+              <a:cs typeface="+mj-ea"/>
               <a:sym typeface="+mn-ea"/>
             </a:endParaRPr>
           </a:p>
@@ -7208,7 +8321,23 @@
                 <a:ea typeface="宋体" panose="02010600030101010101" pitchFamily="2" charset="-122"/>
                 <a:cs typeface="宋体" panose="02010600030101010101" pitchFamily="2" charset="-122"/>
               </a:rPr>
-              <a:t>（system class loader）：它根据 Java 应用的类路径（CLASSPATH）来加载 Java 类。一般来说，Java 应用的类都是由它来完成加载的。可以通过 ClassLoader.getSystemClassLoader() 来获取它。</a:t>
+              <a:t>（system</a:t>
+            </a:r>
+            <a:r>
+              <a:rPr lang="en-US" altLang="zh-CN" sz="1600">
+                <a:latin typeface="宋体" panose="02010600030101010101" pitchFamily="2" charset="-122"/>
+                <a:ea typeface="宋体" panose="02010600030101010101" pitchFamily="2" charset="-122"/>
+                <a:cs typeface="宋体" panose="02010600030101010101" pitchFamily="2" charset="-122"/>
+              </a:rPr>
+              <a:t>\application</a:t>
+            </a:r>
+            <a:r>
+              <a:rPr lang="zh-CN" altLang="en-US" sz="1600">
+                <a:latin typeface="宋体" panose="02010600030101010101" pitchFamily="2" charset="-122"/>
+                <a:ea typeface="宋体" panose="02010600030101010101" pitchFamily="2" charset="-122"/>
+                <a:cs typeface="宋体" panose="02010600030101010101" pitchFamily="2" charset="-122"/>
+              </a:rPr>
+              <a:t> class loader）：它根据 Java 应用的类路径（CLASSPATH）来加载 Java 类。一般来说，Java 应用的类都是由它来完成加载的。可以通过 ClassLoader.getSystemClassLoader() 来获取它。</a:t>
             </a:r>
             <a:endParaRPr lang="zh-CN" altLang="en-US" sz="1600">
               <a:latin typeface="宋体" panose="02010600030101010101" pitchFamily="2" charset="-122"/>
@@ -7270,8 +8399,8 @@
         </p:blipFill>
         <p:spPr>
           <a:xfrm>
-            <a:off x="2823210" y="1333500"/>
-            <a:ext cx="6545580" cy="4191000"/>
+            <a:off x="2016760" y="875665"/>
+            <a:ext cx="7912100" cy="5066030"/>
           </a:xfrm>
           <a:prstGeom prst="rect">
             <a:avLst/>
@@ -7601,7 +8730,7 @@
         <p:spPr>
           <a:xfrm>
             <a:off x="175260" y="837565"/>
-            <a:ext cx="11821795" cy="5015865"/>
+            <a:ext cx="11821795" cy="5200650"/>
           </a:xfrm>
           <a:prstGeom prst="rect">
             <a:avLst/>
@@ -7614,12 +8743,33 @@
           </a:bodyPr>
           <a:p>
             <a:r>
+              <a:rPr lang="zh-CN" altLang="en-US" sz="2000" b="1">
+                <a:solidFill>
+                  <a:srgbClr val="FF0000"/>
+                </a:solidFill>
+                <a:latin typeface="宋体" panose="02010600030101010101" pitchFamily="2" charset="-122"/>
+                <a:ea typeface="宋体" panose="02010600030101010101" pitchFamily="2" charset="-122"/>
+                <a:cs typeface="宋体" panose="02010600030101010101" pitchFamily="2" charset="-122"/>
+              </a:rPr>
+              <a:t>启动（Bootstrap）类加载器</a:t>
+            </a:r>
+            <a:endParaRPr lang="zh-CN" altLang="en-US" sz="2000" b="1">
+              <a:solidFill>
+                <a:srgbClr val="FF0000"/>
+              </a:solidFill>
+              <a:latin typeface="宋体" panose="02010600030101010101" pitchFamily="2" charset="-122"/>
+              <a:ea typeface="宋体" panose="02010600030101010101" pitchFamily="2" charset="-122"/>
+              <a:cs typeface="宋体" panose="02010600030101010101" pitchFamily="2" charset="-122"/>
+            </a:endParaRPr>
+          </a:p>
+          <a:p>
+            <a:r>
               <a:rPr lang="zh-CN" altLang="en-US" sz="1600">
                 <a:latin typeface="宋体" panose="02010600030101010101" pitchFamily="2" charset="-122"/>
                 <a:ea typeface="宋体" panose="02010600030101010101" pitchFamily="2" charset="-122"/>
                 <a:cs typeface="宋体" panose="02010600030101010101" pitchFamily="2" charset="-122"/>
               </a:rPr>
-              <a:t>启动（Bootstrap）类加载器</a:t>
+              <a:t>启动类加载器主要加载的是JVM自身需要的类，这个类加载使用C++语言实现的，是虚拟机自身的一部分，它负责将 &lt;JAVA_HOME&gt;/lib路径下的核心类库或-Xbootclasspath参数指定的路径下的jar包加载到内存中，注意必由于虚拟机是按照文件名识别加载jar包的，如rt.jar，如果文件名不被虚拟机识别，即使把jar包丢到lib目录下也是没有作用的(出于安全考虑，Bootstrap启动类加载器只加载包名为java、javax、sun等开头的类)。</a:t>
             </a:r>
             <a:endParaRPr lang="zh-CN" altLang="en-US" sz="1600">
               <a:latin typeface="宋体" panose="02010600030101010101" pitchFamily="2" charset="-122"/>
@@ -7628,13 +8778,46 @@
             </a:endParaRPr>
           </a:p>
           <a:p>
+            <a:endParaRPr lang="zh-CN" altLang="en-US" sz="1600">
+              <a:latin typeface="宋体" panose="02010600030101010101" pitchFamily="2" charset="-122"/>
+              <a:ea typeface="宋体" panose="02010600030101010101" pitchFamily="2" charset="-122"/>
+              <a:cs typeface="宋体" panose="02010600030101010101" pitchFamily="2" charset="-122"/>
+            </a:endParaRPr>
+          </a:p>
+          <a:p>
+            <a:pPr algn="l">
+              <a:buClrTx/>
+              <a:buSzTx/>
+              <a:buFontTx/>
+            </a:pPr>
+            <a:r>
+              <a:rPr lang="zh-CN" altLang="en-US" sz="2000" b="1">
+                <a:solidFill>
+                  <a:srgbClr val="FF0000"/>
+                </a:solidFill>
+                <a:latin typeface="宋体" panose="02010600030101010101" pitchFamily="2" charset="-122"/>
+                <a:ea typeface="宋体" panose="02010600030101010101" pitchFamily="2" charset="-122"/>
+                <a:cs typeface="宋体" panose="02010600030101010101" pitchFamily="2" charset="-122"/>
+              </a:rPr>
+              <a:t>扩展（Extension）类加载器</a:t>
+            </a:r>
+            <a:endParaRPr lang="zh-CN" altLang="en-US" sz="2000" b="1">
+              <a:solidFill>
+                <a:srgbClr val="FF0000"/>
+              </a:solidFill>
+              <a:latin typeface="宋体" panose="02010600030101010101" pitchFamily="2" charset="-122"/>
+              <a:ea typeface="宋体" panose="02010600030101010101" pitchFamily="2" charset="-122"/>
+              <a:cs typeface="宋体" panose="02010600030101010101" pitchFamily="2" charset="-122"/>
+            </a:endParaRPr>
+          </a:p>
+          <a:p>
             <a:r>
               <a:rPr lang="zh-CN" altLang="en-US" sz="1600">
                 <a:latin typeface="宋体" panose="02010600030101010101" pitchFamily="2" charset="-122"/>
                 <a:ea typeface="宋体" panose="02010600030101010101" pitchFamily="2" charset="-122"/>
                 <a:cs typeface="宋体" panose="02010600030101010101" pitchFamily="2" charset="-122"/>
               </a:rPr>
-              <a:t>启动类加载器主要加载的是JVM自身需要的类，这个类加载使用C++语言实现的，是虚拟机自身的一部分，它负责将 &lt;JAVA_HOME&gt;/lib路径下的核心类库或-Xbootclasspath参数指定的路径下的jar包加载到内存中，注意必由于虚拟机是按照文件名识别加载jar包的，如rt.jar，如果文件名不被虚拟机识别，即使把jar包丢到lib目录下也是没有作用的(出于安全考虑，Bootstrap启动类加载器只加载包名为java、javax、sun等开头的类)。</a:t>
+              <a:t>扩展类加载器是指Sun公司(已被Oracle收购)实现的sun.misc.Launcher$ExtClassLoader类，由Java语言实现的，是Launcher的静态内部类，它负责加载&lt;JAVA_HOME&gt;/lib/ext目录下或者由系统变量-Djava.ext.dir指定位路径中的类库，开发者可以直接使用标准扩展类加载器。</a:t>
             </a:r>
             <a:endParaRPr lang="zh-CN" altLang="en-US" sz="1600">
               <a:latin typeface="宋体" panose="02010600030101010101" pitchFamily="2" charset="-122"/>
@@ -7650,52 +8833,26 @@
             </a:endParaRPr>
           </a:p>
           <a:p>
-            <a:r>
-              <a:rPr lang="zh-CN" altLang="en-US" sz="1600">
+            <a:pPr algn="l">
+              <a:buClrTx/>
+              <a:buSzTx/>
+              <a:buFontTx/>
+            </a:pPr>
+            <a:r>
+              <a:rPr lang="zh-CN" altLang="en-US" sz="2000" b="1">
+                <a:solidFill>
+                  <a:srgbClr val="FF0000"/>
+                </a:solidFill>
                 <a:latin typeface="宋体" panose="02010600030101010101" pitchFamily="2" charset="-122"/>
                 <a:ea typeface="宋体" panose="02010600030101010101" pitchFamily="2" charset="-122"/>
                 <a:cs typeface="宋体" panose="02010600030101010101" pitchFamily="2" charset="-122"/>
               </a:rPr>
-              <a:t>扩展（Extension）类加载器</a:t>
-            </a:r>
-            <a:endParaRPr lang="zh-CN" altLang="en-US" sz="1600">
-              <a:latin typeface="宋体" panose="02010600030101010101" pitchFamily="2" charset="-122"/>
-              <a:ea typeface="宋体" panose="02010600030101010101" pitchFamily="2" charset="-122"/>
-              <a:cs typeface="宋体" panose="02010600030101010101" pitchFamily="2" charset="-122"/>
-            </a:endParaRPr>
-          </a:p>
-          <a:p>
-            <a:r>
-              <a:rPr lang="zh-CN" altLang="en-US" sz="1600">
-                <a:latin typeface="宋体" panose="02010600030101010101" pitchFamily="2" charset="-122"/>
-                <a:ea typeface="宋体" panose="02010600030101010101" pitchFamily="2" charset="-122"/>
-                <a:cs typeface="宋体" panose="02010600030101010101" pitchFamily="2" charset="-122"/>
-              </a:rPr>
-              <a:t>扩展类加载器是指Sun公司(已被Oracle收购)实现的sun.misc.Launcher$ExtClassLoader类，由Java语言实现的，是Launcher的静态内部类，它负责加载&lt;JAVA_HOME&gt;/lib/ext目录下或者由系统变量-Djava.ext.dir指定位路径中的类库，开发者可以直接使用标准扩展类加载器。</a:t>
-            </a:r>
-            <a:endParaRPr lang="zh-CN" altLang="en-US" sz="1600">
-              <a:latin typeface="宋体" panose="02010600030101010101" pitchFamily="2" charset="-122"/>
-              <a:ea typeface="宋体" panose="02010600030101010101" pitchFamily="2" charset="-122"/>
-              <a:cs typeface="宋体" panose="02010600030101010101" pitchFamily="2" charset="-122"/>
-            </a:endParaRPr>
-          </a:p>
-          <a:p>
-            <a:endParaRPr lang="zh-CN" altLang="en-US" sz="1600">
-              <a:latin typeface="宋体" panose="02010600030101010101" pitchFamily="2" charset="-122"/>
-              <a:ea typeface="宋体" panose="02010600030101010101" pitchFamily="2" charset="-122"/>
-              <a:cs typeface="宋体" panose="02010600030101010101" pitchFamily="2" charset="-122"/>
-            </a:endParaRPr>
-          </a:p>
-          <a:p>
-            <a:r>
-              <a:rPr lang="zh-CN" altLang="en-US" sz="1600">
-                <a:latin typeface="宋体" panose="02010600030101010101" pitchFamily="2" charset="-122"/>
-                <a:ea typeface="宋体" panose="02010600030101010101" pitchFamily="2" charset="-122"/>
-                <a:cs typeface="宋体" panose="02010600030101010101" pitchFamily="2" charset="-122"/>
-              </a:rPr>
               <a:t>系统（System）类加载器</a:t>
             </a:r>
-            <a:endParaRPr lang="zh-CN" altLang="en-US" sz="1600">
+            <a:endParaRPr lang="zh-CN" altLang="en-US" sz="2000" b="1">
+              <a:solidFill>
+                <a:srgbClr val="FF0000"/>
+              </a:solidFill>
               <a:latin typeface="宋体" panose="02010600030101010101" pitchFamily="2" charset="-122"/>
               <a:ea typeface="宋体" panose="02010600030101010101" pitchFamily="2" charset="-122"/>
               <a:cs typeface="宋体" panose="02010600030101010101" pitchFamily="2" charset="-122"/>
@@ -7752,6 +8909,62 @@
 </file>
 
 <file path=ppt/slides/slide6.xml><?xml version="1.0" encoding="utf-8"?>
+<p:sld xmlns:a="http://schemas.openxmlformats.org/drawingml/2006/main" xmlns:r="http://schemas.openxmlformats.org/officeDocument/2006/relationships" xmlns:p="http://schemas.openxmlformats.org/presentationml/2006/main">
+  <p:cSld>
+    <p:bg>
+      <p:bgPr>
+        <a:blipFill rotWithShape="1">
+          <a:blip r:embed="rId1"/>
+          <a:stretch>
+            <a:fillRect/>
+          </a:stretch>
+        </a:blipFill>
+        <a:effectLst/>
+      </p:bgPr>
+    </p:bg>
+    <p:spTree>
+      <p:nvGrpSpPr>
+        <p:cNvPr id="1" name=""/>
+        <p:cNvGrpSpPr/>
+        <p:nvPr/>
+      </p:nvGrpSpPr>
+      <p:grpSpPr/>
+      <p:pic>
+        <p:nvPicPr>
+          <p:cNvPr id="6" name="图片 5"/>
+          <p:cNvPicPr>
+            <a:picLocks noChangeAspect="1"/>
+          </p:cNvPicPr>
+          <p:nvPr/>
+        </p:nvPicPr>
+        <p:blipFill>
+          <a:blip r:embed="rId2"/>
+          <a:stretch>
+            <a:fillRect/>
+          </a:stretch>
+        </p:blipFill>
+        <p:spPr>
+          <a:xfrm>
+            <a:off x="542290" y="889000"/>
+            <a:ext cx="7226300" cy="4940300"/>
+          </a:xfrm>
+          <a:prstGeom prst="rect">
+            <a:avLst/>
+          </a:prstGeom>
+        </p:spPr>
+      </p:pic>
+    </p:spTree>
+    <p:custDataLst>
+      <p:tags r:id="rId3"/>
+    </p:custDataLst>
+  </p:cSld>
+  <p:clrMapOvr>
+    <a:masterClrMapping/>
+  </p:clrMapOvr>
+</p:sld>
+</file>
+
+<file path=ppt/slides/slide7.xml><?xml version="1.0" encoding="utf-8"?>
 <p:sld xmlns:a="http://schemas.openxmlformats.org/drawingml/2006/main" xmlns:r="http://schemas.openxmlformats.org/officeDocument/2006/relationships" xmlns:p="http://schemas.openxmlformats.org/presentationml/2006/main">
   <p:cSld>
     <p:bg>
@@ -7855,7 +9068,7 @@
 </p:sld>
 </file>
 
-<file path=ppt/slides/slide7.xml><?xml version="1.0" encoding="utf-8"?>
+<file path=ppt/slides/slide8.xml><?xml version="1.0" encoding="utf-8"?>
 <p:sld xmlns:a="http://schemas.openxmlformats.org/drawingml/2006/main" xmlns:r="http://schemas.openxmlformats.org/officeDocument/2006/relationships" xmlns:p="http://schemas.openxmlformats.org/presentationml/2006/main">
   <p:cSld>
     <p:bg>
@@ -8021,178 +9234,6 @@
 </p:sld>
 </file>
 
-<file path=ppt/slides/slide8.xml><?xml version="1.0" encoding="utf-8"?>
-<p:sld xmlns:a="http://schemas.openxmlformats.org/drawingml/2006/main" xmlns:r="http://schemas.openxmlformats.org/officeDocument/2006/relationships" xmlns:p="http://schemas.openxmlformats.org/presentationml/2006/main">
-  <p:cSld>
-    <p:bg>
-      <p:bgPr>
-        <a:blipFill rotWithShape="1">
-          <a:blip r:embed="rId1"/>
-          <a:stretch>
-            <a:fillRect/>
-          </a:stretch>
-        </a:blipFill>
-        <a:effectLst/>
-      </p:bgPr>
-    </p:bg>
-    <p:spTree>
-      <p:nvGrpSpPr>
-        <p:cNvPr id="1" name=""/>
-        <p:cNvGrpSpPr/>
-        <p:nvPr/>
-      </p:nvGrpSpPr>
-      <p:grpSpPr/>
-      <p:sp>
-        <p:nvSpPr>
-          <p:cNvPr id="2" name="文本框 1"/>
-          <p:cNvSpPr txBox="1"/>
-          <p:nvPr/>
-        </p:nvSpPr>
-        <p:spPr>
-          <a:xfrm>
-            <a:off x="111125" y="837565"/>
-            <a:ext cx="11940540" cy="4276725"/>
-          </a:xfrm>
-          <a:prstGeom prst="rect">
-            <a:avLst/>
-          </a:prstGeom>
-          <a:noFill/>
-        </p:spPr>
-        <p:txBody>
-          <a:bodyPr wrap="square" rtlCol="0">
-            <a:spAutoFit/>
-          </a:bodyPr>
-          <a:p>
-            <a:r>
-              <a:rPr lang="zh-CN" altLang="en-US" sz="1600">
-                <a:latin typeface="宋体" panose="02010600030101010101" pitchFamily="2" charset="-122"/>
-                <a:ea typeface="宋体" panose="02010600030101010101" pitchFamily="2" charset="-122"/>
-                <a:cs typeface="宋体" panose="02010600030101010101" pitchFamily="2" charset="-122"/>
-              </a:rPr>
-              <a:t>为什么要自定义类加载器</a:t>
-            </a:r>
-            <a:endParaRPr lang="zh-CN" altLang="en-US" sz="1600">
-              <a:latin typeface="宋体" panose="02010600030101010101" pitchFamily="2" charset="-122"/>
-              <a:ea typeface="宋体" panose="02010600030101010101" pitchFamily="2" charset="-122"/>
-              <a:cs typeface="宋体" panose="02010600030101010101" pitchFamily="2" charset="-122"/>
-            </a:endParaRPr>
-          </a:p>
-          <a:p>
-            <a:r>
-              <a:rPr lang="zh-CN" altLang="en-US" sz="1600">
-                <a:latin typeface="宋体" panose="02010600030101010101" pitchFamily="2" charset="-122"/>
-                <a:ea typeface="宋体" panose="02010600030101010101" pitchFamily="2" charset="-122"/>
-                <a:cs typeface="宋体" panose="02010600030101010101" pitchFamily="2" charset="-122"/>
-              </a:rPr>
-              <a:t>为什么我们要自定义类加载器？因为虽然Java中给用户提供了很多类加载器，但是和实际使用比起来，功能还是匮乏。举一个例子来说吧，主流的Java Web服务器，比如Tomcat，都实现了自定义的类加载器（一般都不止一个）。因为一个功能健全的Web服务器，要解决如下几个问题：</a:t>
-            </a:r>
-            <a:endParaRPr lang="zh-CN" altLang="en-US" sz="1600">
-              <a:latin typeface="宋体" panose="02010600030101010101" pitchFamily="2" charset="-122"/>
-              <a:ea typeface="宋体" panose="02010600030101010101" pitchFamily="2" charset="-122"/>
-              <a:cs typeface="宋体" panose="02010600030101010101" pitchFamily="2" charset="-122"/>
-            </a:endParaRPr>
-          </a:p>
-          <a:p>
-            <a:endParaRPr lang="zh-CN" altLang="en-US" sz="1600">
-              <a:latin typeface="宋体" panose="02010600030101010101" pitchFamily="2" charset="-122"/>
-              <a:ea typeface="宋体" panose="02010600030101010101" pitchFamily="2" charset="-122"/>
-              <a:cs typeface="宋体" panose="02010600030101010101" pitchFamily="2" charset="-122"/>
-            </a:endParaRPr>
-          </a:p>
-          <a:p>
-            <a:r>
-              <a:rPr lang="zh-CN" altLang="en-US" sz="1600">
-                <a:latin typeface="宋体" panose="02010600030101010101" pitchFamily="2" charset="-122"/>
-                <a:ea typeface="宋体" panose="02010600030101010101" pitchFamily="2" charset="-122"/>
-                <a:cs typeface="宋体" panose="02010600030101010101" pitchFamily="2" charset="-122"/>
-              </a:rPr>
-              <a:t>1、部署在同一个服务器上的两个Web应用程序所使用的Java类库可以实现相互隔离。这是最基本的要求，两个不同的应用程序可能会依赖同一个第三方类库的不同版本，不能要求一个类库在一个服务器中只有一份，服务器应当保证两个应用程序的类库可以互相使用</a:t>
-            </a:r>
-            <a:endParaRPr lang="zh-CN" altLang="en-US" sz="1600">
-              <a:latin typeface="宋体" panose="02010600030101010101" pitchFamily="2" charset="-122"/>
-              <a:ea typeface="宋体" panose="02010600030101010101" pitchFamily="2" charset="-122"/>
-              <a:cs typeface="宋体" panose="02010600030101010101" pitchFamily="2" charset="-122"/>
-            </a:endParaRPr>
-          </a:p>
-          <a:p>
-            <a:endParaRPr lang="zh-CN" altLang="en-US" sz="1600">
-              <a:latin typeface="宋体" panose="02010600030101010101" pitchFamily="2" charset="-122"/>
-              <a:ea typeface="宋体" panose="02010600030101010101" pitchFamily="2" charset="-122"/>
-              <a:cs typeface="宋体" panose="02010600030101010101" pitchFamily="2" charset="-122"/>
-            </a:endParaRPr>
-          </a:p>
-          <a:p>
-            <a:r>
-              <a:rPr lang="zh-CN" altLang="en-US" sz="1600">
-                <a:latin typeface="宋体" panose="02010600030101010101" pitchFamily="2" charset="-122"/>
-                <a:ea typeface="宋体" panose="02010600030101010101" pitchFamily="2" charset="-122"/>
-                <a:cs typeface="宋体" panose="02010600030101010101" pitchFamily="2" charset="-122"/>
-              </a:rPr>
-              <a:t>2、部署在同一个服务器上的两个Web应用程序所使用的Java类库可以相互共享。这个需求也很常见，比如相同的Spring类库10个应用程序在用不可能分别存放在各个应用程序的隔离目录中</a:t>
-            </a:r>
-            <a:endParaRPr lang="zh-CN" altLang="en-US" sz="1600">
-              <a:latin typeface="宋体" panose="02010600030101010101" pitchFamily="2" charset="-122"/>
-              <a:ea typeface="宋体" panose="02010600030101010101" pitchFamily="2" charset="-122"/>
-              <a:cs typeface="宋体" panose="02010600030101010101" pitchFamily="2" charset="-122"/>
-            </a:endParaRPr>
-          </a:p>
-          <a:p>
-            <a:endParaRPr lang="zh-CN" altLang="en-US" sz="1600">
-              <a:latin typeface="宋体" panose="02010600030101010101" pitchFamily="2" charset="-122"/>
-              <a:ea typeface="宋体" panose="02010600030101010101" pitchFamily="2" charset="-122"/>
-              <a:cs typeface="宋体" panose="02010600030101010101" pitchFamily="2" charset="-122"/>
-            </a:endParaRPr>
-          </a:p>
-          <a:p>
-            <a:r>
-              <a:rPr lang="zh-CN" altLang="en-US" sz="1600">
-                <a:latin typeface="宋体" panose="02010600030101010101" pitchFamily="2" charset="-122"/>
-                <a:ea typeface="宋体" panose="02010600030101010101" pitchFamily="2" charset="-122"/>
-                <a:cs typeface="宋体" panose="02010600030101010101" pitchFamily="2" charset="-122"/>
-              </a:rPr>
-              <a:t>3、支持热替换，我们知道JSP文件最终要编译成.class文件才能由虚拟机执行，但JSP文件由于其纯文本存储特性，运行时修改的概率远远大于第三方类库或自身.class文件，而且JSP这种网页应用也把修改后无须重启作为一个很大的优势看待</a:t>
-            </a:r>
-            <a:endParaRPr lang="zh-CN" altLang="en-US" sz="1600">
-              <a:latin typeface="宋体" panose="02010600030101010101" pitchFamily="2" charset="-122"/>
-              <a:ea typeface="宋体" panose="02010600030101010101" pitchFamily="2" charset="-122"/>
-              <a:cs typeface="宋体" panose="02010600030101010101" pitchFamily="2" charset="-122"/>
-            </a:endParaRPr>
-          </a:p>
-          <a:p>
-            <a:endParaRPr lang="zh-CN" altLang="en-US" sz="1600">
-              <a:latin typeface="宋体" panose="02010600030101010101" pitchFamily="2" charset="-122"/>
-              <a:ea typeface="宋体" panose="02010600030101010101" pitchFamily="2" charset="-122"/>
-              <a:cs typeface="宋体" panose="02010600030101010101" pitchFamily="2" charset="-122"/>
-            </a:endParaRPr>
-          </a:p>
-          <a:p>
-            <a:r>
-              <a:rPr lang="zh-CN" altLang="en-US" sz="1600">
-                <a:latin typeface="宋体" panose="02010600030101010101" pitchFamily="2" charset="-122"/>
-                <a:ea typeface="宋体" panose="02010600030101010101" pitchFamily="2" charset="-122"/>
-                <a:cs typeface="宋体" panose="02010600030101010101" pitchFamily="2" charset="-122"/>
-              </a:rPr>
-              <a:t>由于存在上述问题，因此Java提供给用户使用的ClassLoader就无法满足需求了。Tomcat服务器就有自己的ClassLoader架构，当然，还是以双亲委派模型为基础的：</a:t>
-            </a:r>
-            <a:endParaRPr lang="zh-CN" altLang="en-US" sz="1600">
-              <a:latin typeface="宋体" panose="02010600030101010101" pitchFamily="2" charset="-122"/>
-              <a:ea typeface="宋体" panose="02010600030101010101" pitchFamily="2" charset="-122"/>
-              <a:cs typeface="宋体" panose="02010600030101010101" pitchFamily="2" charset="-122"/>
-            </a:endParaRPr>
-          </a:p>
-        </p:txBody>
-      </p:sp>
-    </p:spTree>
-    <p:custDataLst>
-      <p:tags r:id="rId2"/>
-    </p:custDataLst>
-  </p:cSld>
-  <p:clrMapOvr>
-    <a:masterClrMapping/>
-  </p:clrMapOvr>
-</p:sld>
-</file>
-
 <file path=ppt/slides/slide9.xml><?xml version="1.0" encoding="utf-8"?>
 <p:sld xmlns:a="http://schemas.openxmlformats.org/drawingml/2006/main" xmlns:r="http://schemas.openxmlformats.org/officeDocument/2006/relationships" xmlns:p="http://schemas.openxmlformats.org/presentationml/2006/main">
   <p:cSld>
@@ -8222,8 +9263,8 @@
         </p:nvSpPr>
         <p:spPr>
           <a:xfrm>
-            <a:off x="244475" y="891540"/>
-            <a:ext cx="11703050" cy="3291840"/>
+            <a:off x="158750" y="1176655"/>
+            <a:ext cx="11940540" cy="4030980"/>
           </a:xfrm>
           <a:prstGeom prst="rect">
             <a:avLst/>
@@ -8241,7 +9282,7 @@
                 <a:ea typeface="宋体" panose="02010600030101010101" pitchFamily="2" charset="-122"/>
                 <a:cs typeface="宋体" panose="02010600030101010101" pitchFamily="2" charset="-122"/>
               </a:rPr>
-              <a:t>JAVA反射机制是在运行状态中，对于任意一个类，都能够知道这个类的所有属性和方法；对于任意一个对象，都能够调用它的任意一个方法和属性；这种动态获取的信息以及动态调用对象的方法的功能称为java语言的反射机制。</a:t>
+              <a:t>为什么我们要自定义类加载器？因为虽然Java中给用户提供了很多类加载器，但是和实际使用比起来，功能还是匮乏。举一个例子来说吧，主流的Java Web服务器，比如Tomcat，都实现了自定义的类加载器（一般都不止一个）。因为一个功能健全的Web服务器，要解决如下几个问题：</a:t>
             </a:r>
             <a:endParaRPr lang="zh-CN" altLang="en-US" sz="1600">
               <a:latin typeface="宋体" panose="02010600030101010101" pitchFamily="2" charset="-122"/>
@@ -8263,7 +9304,7 @@
                 <a:ea typeface="宋体" panose="02010600030101010101" pitchFamily="2" charset="-122"/>
                 <a:cs typeface="宋体" panose="02010600030101010101" pitchFamily="2" charset="-122"/>
               </a:rPr>
-              <a:t>要想解剖一个类,必须先要获取到该类的字节码文件对象。而解剖使用的就是Class类中的方法.所以先要获取到每一个字节码文件对应的Class类型的对象.</a:t>
+              <a:t>1、部署在同一个服务器上的两个Web应用程序所使用的Java类库可以实现相互隔离。这是最基本的要求，两个不同的应用程序可能会依赖同一个第三方类库的不同版本，不能要求一个类库在一个服务器中只有一份，服务器应当保证两个应用程序的类库可以互相使用</a:t>
             </a:r>
             <a:endParaRPr lang="zh-CN" altLang="en-US" sz="1600">
               <a:latin typeface="宋体" panose="02010600030101010101" pitchFamily="2" charset="-122"/>
@@ -8285,7 +9326,7 @@
                 <a:ea typeface="宋体" panose="02010600030101010101" pitchFamily="2" charset="-122"/>
                 <a:cs typeface="宋体" panose="02010600030101010101" pitchFamily="2" charset="-122"/>
               </a:rPr>
-              <a:t>与Java反射相关的类如下：</a:t>
+              <a:t>2、部署在同一个服务器上的两个Web应用程序所使用的Java类库可以相互共享。这个需求也很常见，比如相同的Spring类库10个应用程序在用不可能分别存放在各个应用程序的隔离目录中</a:t>
             </a:r>
             <a:endParaRPr lang="zh-CN" altLang="en-US" sz="1600">
               <a:latin typeface="宋体" panose="02010600030101010101" pitchFamily="2" charset="-122"/>
@@ -8307,7 +9348,7 @@
                 <a:ea typeface="宋体" panose="02010600030101010101" pitchFamily="2" charset="-122"/>
                 <a:cs typeface="宋体" panose="02010600030101010101" pitchFamily="2" charset="-122"/>
               </a:rPr>
-              <a:t>类名	用途</a:t>
+              <a:t>3、支持热替换，我们知道JSP文件最终要编译成.class文件才能由虚拟机执行，但JSP文件由于其纯文本存储特性，运行时修改的概率远远大于第三方类库或自身.class文件，而且JSP这种网页应用也把修改后无须重启作为一个很大的优势看待</a:t>
             </a:r>
             <a:endParaRPr lang="zh-CN" altLang="en-US" sz="1600">
               <a:latin typeface="宋体" panose="02010600030101010101" pitchFamily="2" charset="-122"/>
@@ -8316,13 +9357,20 @@
             </a:endParaRPr>
           </a:p>
           <a:p>
+            <a:endParaRPr lang="zh-CN" altLang="en-US" sz="1600">
+              <a:latin typeface="宋体" panose="02010600030101010101" pitchFamily="2" charset="-122"/>
+              <a:ea typeface="宋体" panose="02010600030101010101" pitchFamily="2" charset="-122"/>
+              <a:cs typeface="宋体" panose="02010600030101010101" pitchFamily="2" charset="-122"/>
+            </a:endParaRPr>
+          </a:p>
+          <a:p>
             <a:r>
               <a:rPr lang="zh-CN" altLang="en-US" sz="1600">
                 <a:latin typeface="宋体" panose="02010600030101010101" pitchFamily="2" charset="-122"/>
                 <a:ea typeface="宋体" panose="02010600030101010101" pitchFamily="2" charset="-122"/>
                 <a:cs typeface="宋体" panose="02010600030101010101" pitchFamily="2" charset="-122"/>
               </a:rPr>
-              <a:t>Class类	代表类的实体，在运行的Java应用程序中表示类和接口</a:t>
+              <a:t>由于存在上述问题，因此Java提供给用户使用的ClassLoader就无法满足需求了。Tomcat服务器就有自己的ClassLoader架构，当然，还是以双亲委派模型为基础的：</a:t>
             </a:r>
             <a:endParaRPr lang="zh-CN" altLang="en-US" sz="1600">
               <a:latin typeface="宋体" panose="02010600030101010101" pitchFamily="2" charset="-122"/>
@@ -8330,49 +9378,44 @@
               <a:cs typeface="宋体" panose="02010600030101010101" pitchFamily="2" charset="-122"/>
             </a:endParaRPr>
           </a:p>
-          <a:p>
-            <a:r>
-              <a:rPr lang="zh-CN" altLang="en-US" sz="1600">
-                <a:latin typeface="宋体" panose="02010600030101010101" pitchFamily="2" charset="-122"/>
-                <a:ea typeface="宋体" panose="02010600030101010101" pitchFamily="2" charset="-122"/>
+        </p:txBody>
+      </p:sp>
+      <p:sp>
+        <p:nvSpPr>
+          <p:cNvPr id="6" name="文本框 5"/>
+          <p:cNvSpPr txBox="1"/>
+          <p:nvPr/>
+        </p:nvSpPr>
+        <p:spPr>
+          <a:xfrm>
+            <a:off x="337820" y="564515"/>
+            <a:ext cx="11582400" cy="583565"/>
+          </a:xfrm>
+          <a:prstGeom prst="rect">
+            <a:avLst/>
+          </a:prstGeom>
+          <a:noFill/>
+        </p:spPr>
+        <p:txBody>
+          <a:bodyPr wrap="square" rtlCol="0">
+            <a:spAutoFit/>
+          </a:bodyPr>
+          <a:p>
+            <a:pPr algn="ctr"/>
+            <a:r>
+              <a:rPr lang="zh-CN" altLang="en-US" sz="3200">
+                <a:latin typeface="+mj-ea"/>
+                <a:ea typeface="+mj-ea"/>
                 <a:cs typeface="宋体" panose="02010600030101010101" pitchFamily="2" charset="-122"/>
-              </a:rPr>
-              <a:t>Field类	代表类的成员变量（成员变量也称为类的属性）</a:t>
-            </a:r>
-            <a:endParaRPr lang="zh-CN" altLang="en-US" sz="1600">
-              <a:latin typeface="宋体" panose="02010600030101010101" pitchFamily="2" charset="-122"/>
-              <a:ea typeface="宋体" panose="02010600030101010101" pitchFamily="2" charset="-122"/>
-              <a:cs typeface="宋体" panose="02010600030101010101" pitchFamily="2" charset="-122"/>
-            </a:endParaRPr>
-          </a:p>
-          <a:p>
-            <a:r>
-              <a:rPr lang="zh-CN" altLang="en-US" sz="1600">
-                <a:latin typeface="宋体" panose="02010600030101010101" pitchFamily="2" charset="-122"/>
-                <a:ea typeface="宋体" panose="02010600030101010101" pitchFamily="2" charset="-122"/>
-                <a:cs typeface="宋体" panose="02010600030101010101" pitchFamily="2" charset="-122"/>
-              </a:rPr>
-              <a:t>Method类	代表类的方法</a:t>
-            </a:r>
-            <a:endParaRPr lang="zh-CN" altLang="en-US" sz="1600">
-              <a:latin typeface="宋体" panose="02010600030101010101" pitchFamily="2" charset="-122"/>
-              <a:ea typeface="宋体" panose="02010600030101010101" pitchFamily="2" charset="-122"/>
-              <a:cs typeface="宋体" panose="02010600030101010101" pitchFamily="2" charset="-122"/>
-            </a:endParaRPr>
-          </a:p>
-          <a:p>
-            <a:r>
-              <a:rPr lang="zh-CN" altLang="en-US" sz="1600">
-                <a:latin typeface="宋体" panose="02010600030101010101" pitchFamily="2" charset="-122"/>
-                <a:ea typeface="宋体" panose="02010600030101010101" pitchFamily="2" charset="-122"/>
-                <a:cs typeface="宋体" panose="02010600030101010101" pitchFamily="2" charset="-122"/>
-              </a:rPr>
-              <a:t>Constructor类	代表类的构造方法</a:t>
-            </a:r>
-            <a:endParaRPr lang="zh-CN" altLang="en-US" sz="1600">
-              <a:latin typeface="宋体" panose="02010600030101010101" pitchFamily="2" charset="-122"/>
-              <a:ea typeface="宋体" panose="02010600030101010101" pitchFamily="2" charset="-122"/>
-              <a:cs typeface="宋体" panose="02010600030101010101" pitchFamily="2" charset="-122"/>
+                <a:sym typeface="+mn-ea"/>
+              </a:rPr>
+              <a:t>自定义类加载器</a:t>
+            </a:r>
+            <a:endParaRPr lang="zh-CN" altLang="en-US" sz="3200">
+              <a:latin typeface="+mj-ea"/>
+              <a:ea typeface="+mj-ea"/>
+              <a:cs typeface="+mj-ea"/>
+              <a:sym typeface="+mn-ea"/>
             </a:endParaRPr>
           </a:p>
         </p:txBody>
@@ -9544,33 +10587,6 @@
 </file>
 
 <file path=ppt/tags/tag93.xml><?xml version="1.0" encoding="utf-8"?>
-<p:tagLst xmlns:p="http://schemas.openxmlformats.org/presentationml/2006/main">
-  <p:tag name="KSO_WM_BEAUTIFY_FLAG" val="#wm#"/>
-  <p:tag name="KSO_WM_TEMPLATE_CATEGORY" val="custom"/>
-  <p:tag name="KSO_WM_TEMPLATE_INDEX" val="20203858"/>
-  <p:tag name="KSO_WM_SPECIAL_SOURCE" val="bdnull"/>
-</p:tagLst>
-</file>
-
-<file path=ppt/tags/tag94.xml><?xml version="1.0" encoding="utf-8"?>
-<p:tagLst xmlns:p="http://schemas.openxmlformats.org/presentationml/2006/main">
-  <p:tag name="KSO_WM_BEAUTIFY_FLAG" val="#wm#"/>
-  <p:tag name="KSO_WM_TEMPLATE_CATEGORY" val="custom"/>
-  <p:tag name="KSO_WM_TEMPLATE_INDEX" val="20203858"/>
-  <p:tag name="KSO_WM_SPECIAL_SOURCE" val="bdnull"/>
-</p:tagLst>
-</file>
-
-<file path=ppt/tags/tag95.xml><?xml version="1.0" encoding="utf-8"?>
-<p:tagLst xmlns:p="http://schemas.openxmlformats.org/presentationml/2006/main">
-  <p:tag name="KSO_WM_BEAUTIFY_FLAG" val="#wm#"/>
-  <p:tag name="KSO_WM_TEMPLATE_CATEGORY" val="custom"/>
-  <p:tag name="KSO_WM_TEMPLATE_INDEX" val="20203858"/>
-  <p:tag name="KSO_WM_SPECIAL_SOURCE" val="bdnull"/>
-</p:tagLst>
-</file>
-
-<file path=ppt/tags/tag96.xml><?xml version="1.0" encoding="utf-8"?>
 <p:tagLst xmlns:p="http://schemas.openxmlformats.org/presentationml/2006/main">
   <p:tag name="KSO_WM_BEAUTIFY_FLAG" val="#wm#"/>
   <p:tag name="KSO_WM_TEMPLATE_CATEGORY" val="custom"/>

--- a/基础PPT/第9章：Java反射简介.pptx
+++ b/基础PPT/第9章：Java反射简介.pptx
@@ -6936,7 +6936,26 @@
                 <a:ea typeface="宋体" panose="02010600030101010101" pitchFamily="2" charset="-122"/>
                 <a:cs typeface="宋体" panose="02010600030101010101" pitchFamily="2" charset="-122"/>
               </a:rPr>
-              <a:t>AOP(Aspect Oriented Programing)，即面向切面编程，它主要用于日志记录、性能统计、安全控制、事务处理、异常处理等方面。它的主要意图就要将日志记录，性能统计，安全控制、事务处理、异常处理等等代码从业务逻辑代码中清楚地划分出来。通过对这些行为的分离，我们希望可以将它们独立地配置到业务逻辑方法中，而要改变这些行为的时候也不需要影响到业务逻辑方法代码。</a:t>
+              <a:t>AOP(Aspect Oriented Programing)，即面向切面编程，它主要用于日志记录、性能统计、安全控制、事务处理、异常处理等方面。它的主要意图就要将日志记录，性能统计，安全控制、事务处理、异常处理等等</a:t>
+            </a:r>
+            <a:r>
+              <a:rPr lang="zh-CN" altLang="en-US" sz="2000" b="1">
+                <a:solidFill>
+                  <a:srgbClr val="FF0000"/>
+                </a:solidFill>
+                <a:latin typeface="宋体" panose="02010600030101010101" pitchFamily="2" charset="-122"/>
+                <a:ea typeface="宋体" panose="02010600030101010101" pitchFamily="2" charset="-122"/>
+                <a:cs typeface="宋体" panose="02010600030101010101" pitchFamily="2" charset="-122"/>
+              </a:rPr>
+              <a:t>代码从业务逻辑代码中清楚地划分出来</a:t>
+            </a:r>
+            <a:r>
+              <a:rPr lang="zh-CN" altLang="en-US" sz="2000">
+                <a:latin typeface="宋体" panose="02010600030101010101" pitchFamily="2" charset="-122"/>
+                <a:ea typeface="宋体" panose="02010600030101010101" pitchFamily="2" charset="-122"/>
+                <a:cs typeface="宋体" panose="02010600030101010101" pitchFamily="2" charset="-122"/>
+              </a:rPr>
+              <a:t>。通过对这些行为的分离，我们希望可以将它们独立地配置到业务逻辑方法中，而要改变这些行为的时候也不需要影响到业务逻辑方法代码。</a:t>
             </a:r>
             <a:endParaRPr lang="zh-CN" altLang="en-US" sz="2000">
               <a:latin typeface="宋体" panose="02010600030101010101" pitchFamily="2" charset="-122"/>
@@ -6980,7 +6999,26 @@
                 <a:ea typeface="宋体" panose="02010600030101010101" pitchFamily="2" charset="-122"/>
                 <a:cs typeface="宋体" panose="02010600030101010101" pitchFamily="2" charset="-122"/>
               </a:rPr>
-              <a:t>动态代理类不仅简化了编程工作，而且提高了软件系统的扩展性和可维护性。我们可以通过实现java.lang.reflect.InvocationHandler接口提供一个执行处理器，然后通过java.lang.reflect.Proxy得到一个代理对象，通过这个代理对象来执行业务逻辑方法,在业务逻辑方法被调用的同时，自动调用会执行处理器。</a:t>
+              <a:t>动态代理类不仅简化了编程工作，而且提高了软件系统的扩展性和可维护性。我们可以通过实现java.lang.reflect.</a:t>
+            </a:r>
+            <a:r>
+              <a:rPr lang="zh-CN" altLang="en-US" sz="2000" b="1">
+                <a:solidFill>
+                  <a:srgbClr val="FF0000"/>
+                </a:solidFill>
+                <a:latin typeface="宋体" panose="02010600030101010101" pitchFamily="2" charset="-122"/>
+                <a:ea typeface="宋体" panose="02010600030101010101" pitchFamily="2" charset="-122"/>
+                <a:cs typeface="宋体" panose="02010600030101010101" pitchFamily="2" charset="-122"/>
+              </a:rPr>
+              <a:t>InvocationHandler</a:t>
+            </a:r>
+            <a:r>
+              <a:rPr lang="zh-CN" altLang="en-US" sz="2000">
+                <a:latin typeface="宋体" panose="02010600030101010101" pitchFamily="2" charset="-122"/>
+                <a:ea typeface="宋体" panose="02010600030101010101" pitchFamily="2" charset="-122"/>
+                <a:cs typeface="宋体" panose="02010600030101010101" pitchFamily="2" charset="-122"/>
+              </a:rPr>
+              <a:t>接口提供一个执行处理器，然后通过java.lang.reflect.Proxy得到一个代理对象，通过这个代理对象来执行业务逻辑方法,在业务逻辑方法被调用的同时，自动调用会执行处理器。</a:t>
             </a:r>
             <a:endParaRPr lang="zh-CN" altLang="en-US" sz="2000">
               <a:latin typeface="宋体" panose="02010600030101010101" pitchFamily="2" charset="-122"/>
